--- a/antigenic_evolution/plots/figures/figure3.pptx
+++ b/antigenic_evolution/plots/figures/figure3.pptx
@@ -7,14 +7,14 @@
   <p:sldIdLst>
     <p:sldId id="256" r:id="rId2"/>
   </p:sldIdLst>
-  <p:sldSz cx="10972800" cy="6400800"/>
+  <p:sldSz cx="6858000" cy="6629400"/>
   <p:notesSz cx="6858000" cy="9144000"/>
   <p:defaultTextStyle>
     <a:defPPr>
       <a:defRPr lang="en-US"/>
     </a:defPPr>
-    <a:lvl1pPr marL="0" algn="l" defTabSz="833933" rtl="0" eaLnBrk="1" latinLnBrk="0" hangingPunct="1">
-      <a:defRPr sz="1642" kern="1200">
+    <a:lvl1pPr marL="0" algn="l" defTabSz="647395" rtl="0" eaLnBrk="1" latinLnBrk="0" hangingPunct="1">
+      <a:defRPr sz="1274" kern="1200">
         <a:solidFill>
           <a:schemeClr val="tx1"/>
         </a:solidFill>
@@ -23,8 +23,8 @@
         <a:cs typeface="+mn-cs"/>
       </a:defRPr>
     </a:lvl1pPr>
-    <a:lvl2pPr marL="416966" algn="l" defTabSz="833933" rtl="0" eaLnBrk="1" latinLnBrk="0" hangingPunct="1">
-      <a:defRPr sz="1642" kern="1200">
+    <a:lvl2pPr marL="323698" algn="l" defTabSz="647395" rtl="0" eaLnBrk="1" latinLnBrk="0" hangingPunct="1">
+      <a:defRPr sz="1274" kern="1200">
         <a:solidFill>
           <a:schemeClr val="tx1"/>
         </a:solidFill>
@@ -33,8 +33,8 @@
         <a:cs typeface="+mn-cs"/>
       </a:defRPr>
     </a:lvl2pPr>
-    <a:lvl3pPr marL="833933" algn="l" defTabSz="833933" rtl="0" eaLnBrk="1" latinLnBrk="0" hangingPunct="1">
-      <a:defRPr sz="1642" kern="1200">
+    <a:lvl3pPr marL="647395" algn="l" defTabSz="647395" rtl="0" eaLnBrk="1" latinLnBrk="0" hangingPunct="1">
+      <a:defRPr sz="1274" kern="1200">
         <a:solidFill>
           <a:schemeClr val="tx1"/>
         </a:solidFill>
@@ -43,8 +43,8 @@
         <a:cs typeface="+mn-cs"/>
       </a:defRPr>
     </a:lvl3pPr>
-    <a:lvl4pPr marL="1250899" algn="l" defTabSz="833933" rtl="0" eaLnBrk="1" latinLnBrk="0" hangingPunct="1">
-      <a:defRPr sz="1642" kern="1200">
+    <a:lvl4pPr marL="971093" algn="l" defTabSz="647395" rtl="0" eaLnBrk="1" latinLnBrk="0" hangingPunct="1">
+      <a:defRPr sz="1274" kern="1200">
         <a:solidFill>
           <a:schemeClr val="tx1"/>
         </a:solidFill>
@@ -53,8 +53,8 @@
         <a:cs typeface="+mn-cs"/>
       </a:defRPr>
     </a:lvl4pPr>
-    <a:lvl5pPr marL="1667866" algn="l" defTabSz="833933" rtl="0" eaLnBrk="1" latinLnBrk="0" hangingPunct="1">
-      <a:defRPr sz="1642" kern="1200">
+    <a:lvl5pPr marL="1294790" algn="l" defTabSz="647395" rtl="0" eaLnBrk="1" latinLnBrk="0" hangingPunct="1">
+      <a:defRPr sz="1274" kern="1200">
         <a:solidFill>
           <a:schemeClr val="tx1"/>
         </a:solidFill>
@@ -63,8 +63,8 @@
         <a:cs typeface="+mn-cs"/>
       </a:defRPr>
     </a:lvl5pPr>
-    <a:lvl6pPr marL="2084832" algn="l" defTabSz="833933" rtl="0" eaLnBrk="1" latinLnBrk="0" hangingPunct="1">
-      <a:defRPr sz="1642" kern="1200">
+    <a:lvl6pPr marL="1618488" algn="l" defTabSz="647395" rtl="0" eaLnBrk="1" latinLnBrk="0" hangingPunct="1">
+      <a:defRPr sz="1274" kern="1200">
         <a:solidFill>
           <a:schemeClr val="tx1"/>
         </a:solidFill>
@@ -73,8 +73,8 @@
         <a:cs typeface="+mn-cs"/>
       </a:defRPr>
     </a:lvl6pPr>
-    <a:lvl7pPr marL="2501798" algn="l" defTabSz="833933" rtl="0" eaLnBrk="1" latinLnBrk="0" hangingPunct="1">
-      <a:defRPr sz="1642" kern="1200">
+    <a:lvl7pPr marL="1942186" algn="l" defTabSz="647395" rtl="0" eaLnBrk="1" latinLnBrk="0" hangingPunct="1">
+      <a:defRPr sz="1274" kern="1200">
         <a:solidFill>
           <a:schemeClr val="tx1"/>
         </a:solidFill>
@@ -83,8 +83,8 @@
         <a:cs typeface="+mn-cs"/>
       </a:defRPr>
     </a:lvl7pPr>
-    <a:lvl8pPr marL="2918765" algn="l" defTabSz="833933" rtl="0" eaLnBrk="1" latinLnBrk="0" hangingPunct="1">
-      <a:defRPr sz="1642" kern="1200">
+    <a:lvl8pPr marL="2265883" algn="l" defTabSz="647395" rtl="0" eaLnBrk="1" latinLnBrk="0" hangingPunct="1">
+      <a:defRPr sz="1274" kern="1200">
         <a:solidFill>
           <a:schemeClr val="tx1"/>
         </a:solidFill>
@@ -93,8 +93,8 @@
         <a:cs typeface="+mn-cs"/>
       </a:defRPr>
     </a:lvl8pPr>
-    <a:lvl9pPr marL="3335731" algn="l" defTabSz="833933" rtl="0" eaLnBrk="1" latinLnBrk="0" hangingPunct="1">
-      <a:defRPr sz="1642" kern="1200">
+    <a:lvl9pPr marL="2589581" algn="l" defTabSz="647395" rtl="0" eaLnBrk="1" latinLnBrk="0" hangingPunct="1">
+      <a:defRPr sz="1274" kern="1200">
         <a:solidFill>
           <a:schemeClr val="tx1"/>
         </a:solidFill>
@@ -141,15 +141,15 @@
         </p:nvSpPr>
         <p:spPr>
           <a:xfrm>
-            <a:off x="1371600" y="1047539"/>
-            <a:ext cx="8229600" cy="2228427"/>
+            <a:off x="514350" y="1084951"/>
+            <a:ext cx="5829300" cy="2308013"/>
           </a:xfrm>
         </p:spPr>
         <p:txBody>
           <a:bodyPr anchor="b"/>
           <a:lstStyle>
             <a:lvl1pPr algn="ctr">
-              <a:defRPr sz="5400"/>
+              <a:defRPr sz="4500"/>
             </a:lvl1pPr>
           </a:lstStyle>
           <a:p>
@@ -173,8 +173,8 @@
         </p:nvSpPr>
         <p:spPr>
           <a:xfrm>
-            <a:off x="1371600" y="3361902"/>
-            <a:ext cx="8229600" cy="1545378"/>
+            <a:off x="857250" y="3481970"/>
+            <a:ext cx="5143500" cy="1600570"/>
           </a:xfrm>
         </p:spPr>
         <p:txBody>
@@ -182,39 +182,39 @@
           <a:lstStyle>
             <a:lvl1pPr marL="0" indent="0" algn="ctr">
               <a:buNone/>
-              <a:defRPr sz="2160"/>
+              <a:defRPr sz="1800"/>
             </a:lvl1pPr>
-            <a:lvl2pPr marL="411480" indent="0" algn="ctr">
-              <a:buNone/>
-              <a:defRPr sz="1800"/>
+            <a:lvl2pPr marL="342900" indent="0" algn="ctr">
+              <a:buNone/>
+              <a:defRPr sz="1500"/>
             </a:lvl2pPr>
-            <a:lvl3pPr marL="822960" indent="0" algn="ctr">
-              <a:buNone/>
-              <a:defRPr sz="1620"/>
+            <a:lvl3pPr marL="685800" indent="0" algn="ctr">
+              <a:buNone/>
+              <a:defRPr sz="1350"/>
             </a:lvl3pPr>
-            <a:lvl4pPr marL="1234440" indent="0" algn="ctr">
-              <a:buNone/>
-              <a:defRPr sz="1440"/>
+            <a:lvl4pPr marL="1028700" indent="0" algn="ctr">
+              <a:buNone/>
+              <a:defRPr sz="1200"/>
             </a:lvl4pPr>
-            <a:lvl5pPr marL="1645920" indent="0" algn="ctr">
-              <a:buNone/>
-              <a:defRPr sz="1440"/>
+            <a:lvl5pPr marL="1371600" indent="0" algn="ctr">
+              <a:buNone/>
+              <a:defRPr sz="1200"/>
             </a:lvl5pPr>
-            <a:lvl6pPr marL="2057400" indent="0" algn="ctr">
-              <a:buNone/>
-              <a:defRPr sz="1440"/>
+            <a:lvl6pPr marL="1714500" indent="0" algn="ctr">
+              <a:buNone/>
+              <a:defRPr sz="1200"/>
             </a:lvl6pPr>
-            <a:lvl7pPr marL="2468880" indent="0" algn="ctr">
-              <a:buNone/>
-              <a:defRPr sz="1440"/>
+            <a:lvl7pPr marL="2057400" indent="0" algn="ctr">
+              <a:buNone/>
+              <a:defRPr sz="1200"/>
             </a:lvl7pPr>
-            <a:lvl8pPr marL="2880360" indent="0" algn="ctr">
-              <a:buNone/>
-              <a:defRPr sz="1440"/>
+            <a:lvl8pPr marL="2400300" indent="0" algn="ctr">
+              <a:buNone/>
+              <a:defRPr sz="1200"/>
             </a:lvl8pPr>
-            <a:lvl9pPr marL="3291840" indent="0" algn="ctr">
-              <a:buNone/>
-              <a:defRPr sz="1440"/>
+            <a:lvl9pPr marL="2743200" indent="0" algn="ctr">
+              <a:buNone/>
+              <a:defRPr sz="1200"/>
             </a:lvl9pPr>
           </a:lstStyle>
           <a:p>
@@ -241,7 +241,7 @@
           <a:bodyPr/>
           <a:lstStyle/>
           <a:p>
-            <a:fld id="{C8233FE8-1E41-D541-91AD-4E9927E90720}" type="datetimeFigureOut">
+            <a:fld id="{401E1E6C-EA39-C04F-8BD7-24F3AA3999CD}" type="datetimeFigureOut">
               <a:rPr lang="en-US" smtClean="0"/>
               <a:t>9/11/20</a:t>
             </a:fld>
@@ -283,7 +283,7 @@
           <a:bodyPr/>
           <a:lstStyle/>
           <a:p>
-            <a:fld id="{64326515-4E57-324A-9D90-4D1FE44B4FA9}" type="slidenum">
+            <a:fld id="{BDE76867-A68E-9544-9830-80F90AD71362}" type="slidenum">
               <a:rPr lang="en-US" smtClean="0"/>
               <a:t>‹#›</a:t>
             </a:fld>
@@ -294,7 +294,7 @@
     </p:spTree>
     <p:extLst>
       <p:ext uri="{BB962C8B-B14F-4D97-AF65-F5344CB8AC3E}">
-        <p14:creationId xmlns:p14="http://schemas.microsoft.com/office/powerpoint/2010/main" val="622896653"/>
+        <p14:creationId xmlns:p14="http://schemas.microsoft.com/office/powerpoint/2010/main" val="445311107"/>
       </p:ext>
     </p:extLst>
   </p:cSld>
@@ -411,7 +411,7 @@
           <a:bodyPr/>
           <a:lstStyle/>
           <a:p>
-            <a:fld id="{C8233FE8-1E41-D541-91AD-4E9927E90720}" type="datetimeFigureOut">
+            <a:fld id="{401E1E6C-EA39-C04F-8BD7-24F3AA3999CD}" type="datetimeFigureOut">
               <a:rPr lang="en-US" smtClean="0"/>
               <a:t>9/11/20</a:t>
             </a:fld>
@@ -453,7 +453,7 @@
           <a:bodyPr/>
           <a:lstStyle/>
           <a:p>
-            <a:fld id="{64326515-4E57-324A-9D90-4D1FE44B4FA9}" type="slidenum">
+            <a:fld id="{BDE76867-A68E-9544-9830-80F90AD71362}" type="slidenum">
               <a:rPr lang="en-US" smtClean="0"/>
               <a:t>‹#›</a:t>
             </a:fld>
@@ -464,7 +464,7 @@
     </p:spTree>
     <p:extLst>
       <p:ext uri="{BB962C8B-B14F-4D97-AF65-F5344CB8AC3E}">
-        <p14:creationId xmlns:p14="http://schemas.microsoft.com/office/powerpoint/2010/main" val="1441287015"/>
+        <p14:creationId xmlns:p14="http://schemas.microsoft.com/office/powerpoint/2010/main" val="661369027"/>
       </p:ext>
     </p:extLst>
   </p:cSld>
@@ -503,8 +503,8 @@
         </p:nvSpPr>
         <p:spPr>
           <a:xfrm>
-            <a:off x="7852410" y="340783"/>
-            <a:ext cx="2366010" cy="5424382"/>
+            <a:off x="4907757" y="352954"/>
+            <a:ext cx="1478756" cy="5618110"/>
           </a:xfrm>
         </p:spPr>
         <p:txBody>
@@ -531,8 +531,8 @@
         </p:nvSpPr>
         <p:spPr>
           <a:xfrm>
-            <a:off x="754380" y="340783"/>
-            <a:ext cx="6960870" cy="5424382"/>
+            <a:off x="471488" y="352954"/>
+            <a:ext cx="4350544" cy="5618110"/>
           </a:xfrm>
         </p:spPr>
         <p:txBody>
@@ -591,7 +591,7 @@
           <a:bodyPr/>
           <a:lstStyle/>
           <a:p>
-            <a:fld id="{C8233FE8-1E41-D541-91AD-4E9927E90720}" type="datetimeFigureOut">
+            <a:fld id="{401E1E6C-EA39-C04F-8BD7-24F3AA3999CD}" type="datetimeFigureOut">
               <a:rPr lang="en-US" smtClean="0"/>
               <a:t>9/11/20</a:t>
             </a:fld>
@@ -633,7 +633,7 @@
           <a:bodyPr/>
           <a:lstStyle/>
           <a:p>
-            <a:fld id="{64326515-4E57-324A-9D90-4D1FE44B4FA9}" type="slidenum">
+            <a:fld id="{BDE76867-A68E-9544-9830-80F90AD71362}" type="slidenum">
               <a:rPr lang="en-US" smtClean="0"/>
               <a:t>‹#›</a:t>
             </a:fld>
@@ -644,7 +644,7 @@
     </p:spTree>
     <p:extLst>
       <p:ext uri="{BB962C8B-B14F-4D97-AF65-F5344CB8AC3E}">
-        <p14:creationId xmlns:p14="http://schemas.microsoft.com/office/powerpoint/2010/main" val="197328439"/>
+        <p14:creationId xmlns:p14="http://schemas.microsoft.com/office/powerpoint/2010/main" val="2052910054"/>
       </p:ext>
     </p:extLst>
   </p:cSld>
@@ -761,7 +761,7 @@
           <a:bodyPr/>
           <a:lstStyle/>
           <a:p>
-            <a:fld id="{C8233FE8-1E41-D541-91AD-4E9927E90720}" type="datetimeFigureOut">
+            <a:fld id="{401E1E6C-EA39-C04F-8BD7-24F3AA3999CD}" type="datetimeFigureOut">
               <a:rPr lang="en-US" smtClean="0"/>
               <a:t>9/11/20</a:t>
             </a:fld>
@@ -803,7 +803,7 @@
           <a:bodyPr/>
           <a:lstStyle/>
           <a:p>
-            <a:fld id="{64326515-4E57-324A-9D90-4D1FE44B4FA9}" type="slidenum">
+            <a:fld id="{BDE76867-A68E-9544-9830-80F90AD71362}" type="slidenum">
               <a:rPr lang="en-US" smtClean="0"/>
               <a:t>‹#›</a:t>
             </a:fld>
@@ -814,7 +814,7 @@
     </p:spTree>
     <p:extLst>
       <p:ext uri="{BB962C8B-B14F-4D97-AF65-F5344CB8AC3E}">
-        <p14:creationId xmlns:p14="http://schemas.microsoft.com/office/powerpoint/2010/main" val="800072354"/>
+        <p14:creationId xmlns:p14="http://schemas.microsoft.com/office/powerpoint/2010/main" val="2311650796"/>
       </p:ext>
     </p:extLst>
   </p:cSld>
@@ -853,15 +853,15 @@
         </p:nvSpPr>
         <p:spPr>
           <a:xfrm>
-            <a:off x="748665" y="1595756"/>
-            <a:ext cx="9464040" cy="2662555"/>
+            <a:off x="467916" y="1652748"/>
+            <a:ext cx="5915025" cy="2757646"/>
           </a:xfrm>
         </p:spPr>
         <p:txBody>
           <a:bodyPr anchor="b"/>
           <a:lstStyle>
             <a:lvl1pPr>
-              <a:defRPr sz="5400"/>
+              <a:defRPr sz="4500"/>
             </a:lvl1pPr>
           </a:lstStyle>
           <a:p>
@@ -885,8 +885,8 @@
         </p:nvSpPr>
         <p:spPr>
           <a:xfrm>
-            <a:off x="748665" y="4283499"/>
-            <a:ext cx="9464040" cy="1400175"/>
+            <a:off x="467916" y="4436482"/>
+            <a:ext cx="5915025" cy="1450181"/>
           </a:xfrm>
         </p:spPr>
         <p:txBody>
@@ -894,17 +894,15 @@
           <a:lstStyle>
             <a:lvl1pPr marL="0" indent="0">
               <a:buNone/>
-              <a:defRPr sz="2160">
+              <a:defRPr sz="1800">
                 <a:solidFill>
-                  <a:schemeClr val="tx1">
-                    <a:tint val="75000"/>
-                  </a:schemeClr>
+                  <a:schemeClr val="tx1"/>
                 </a:solidFill>
               </a:defRPr>
             </a:lvl1pPr>
-            <a:lvl2pPr marL="411480" indent="0">
-              <a:buNone/>
-              <a:defRPr sz="1800">
+            <a:lvl2pPr marL="342900" indent="0">
+              <a:buNone/>
+              <a:defRPr sz="1500">
                 <a:solidFill>
                   <a:schemeClr val="tx1">
                     <a:tint val="75000"/>
@@ -912,9 +910,9 @@
                 </a:solidFill>
               </a:defRPr>
             </a:lvl2pPr>
-            <a:lvl3pPr marL="822960" indent="0">
-              <a:buNone/>
-              <a:defRPr sz="1620">
+            <a:lvl3pPr marL="685800" indent="0">
+              <a:buNone/>
+              <a:defRPr sz="1350">
                 <a:solidFill>
                   <a:schemeClr val="tx1">
                     <a:tint val="75000"/>
@@ -922,9 +920,9 @@
                 </a:solidFill>
               </a:defRPr>
             </a:lvl3pPr>
-            <a:lvl4pPr marL="1234440" indent="0">
-              <a:buNone/>
-              <a:defRPr sz="1440">
+            <a:lvl4pPr marL="1028700" indent="0">
+              <a:buNone/>
+              <a:defRPr sz="1200">
                 <a:solidFill>
                   <a:schemeClr val="tx1">
                     <a:tint val="75000"/>
@@ -932,9 +930,9 @@
                 </a:solidFill>
               </a:defRPr>
             </a:lvl4pPr>
-            <a:lvl5pPr marL="1645920" indent="0">
-              <a:buNone/>
-              <a:defRPr sz="1440">
+            <a:lvl5pPr marL="1371600" indent="0">
+              <a:buNone/>
+              <a:defRPr sz="1200">
                 <a:solidFill>
                   <a:schemeClr val="tx1">
                     <a:tint val="75000"/>
@@ -942,9 +940,9 @@
                 </a:solidFill>
               </a:defRPr>
             </a:lvl5pPr>
-            <a:lvl6pPr marL="2057400" indent="0">
-              <a:buNone/>
-              <a:defRPr sz="1440">
+            <a:lvl6pPr marL="1714500" indent="0">
+              <a:buNone/>
+              <a:defRPr sz="1200">
                 <a:solidFill>
                   <a:schemeClr val="tx1">
                     <a:tint val="75000"/>
@@ -952,9 +950,9 @@
                 </a:solidFill>
               </a:defRPr>
             </a:lvl6pPr>
-            <a:lvl7pPr marL="2468880" indent="0">
-              <a:buNone/>
-              <a:defRPr sz="1440">
+            <a:lvl7pPr marL="2057400" indent="0">
+              <a:buNone/>
+              <a:defRPr sz="1200">
                 <a:solidFill>
                   <a:schemeClr val="tx1">
                     <a:tint val="75000"/>
@@ -962,9 +960,9 @@
                 </a:solidFill>
               </a:defRPr>
             </a:lvl7pPr>
-            <a:lvl8pPr marL="2880360" indent="0">
-              <a:buNone/>
-              <a:defRPr sz="1440">
+            <a:lvl8pPr marL="2400300" indent="0">
+              <a:buNone/>
+              <a:defRPr sz="1200">
                 <a:solidFill>
                   <a:schemeClr val="tx1">
                     <a:tint val="75000"/>
@@ -972,9 +970,9 @@
                 </a:solidFill>
               </a:defRPr>
             </a:lvl8pPr>
-            <a:lvl9pPr marL="3291840" indent="0">
-              <a:buNone/>
-              <a:defRPr sz="1440">
+            <a:lvl9pPr marL="2743200" indent="0">
+              <a:buNone/>
+              <a:defRPr sz="1200">
                 <a:solidFill>
                   <a:schemeClr val="tx1">
                     <a:tint val="75000"/>
@@ -1007,7 +1005,7 @@
           <a:bodyPr/>
           <a:lstStyle/>
           <a:p>
-            <a:fld id="{C8233FE8-1E41-D541-91AD-4E9927E90720}" type="datetimeFigureOut">
+            <a:fld id="{401E1E6C-EA39-C04F-8BD7-24F3AA3999CD}" type="datetimeFigureOut">
               <a:rPr lang="en-US" smtClean="0"/>
               <a:t>9/11/20</a:t>
             </a:fld>
@@ -1049,7 +1047,7 @@
           <a:bodyPr/>
           <a:lstStyle/>
           <a:p>
-            <a:fld id="{64326515-4E57-324A-9D90-4D1FE44B4FA9}" type="slidenum">
+            <a:fld id="{BDE76867-A68E-9544-9830-80F90AD71362}" type="slidenum">
               <a:rPr lang="en-US" smtClean="0"/>
               <a:t>‹#›</a:t>
             </a:fld>
@@ -1060,7 +1058,7 @@
     </p:spTree>
     <p:extLst>
       <p:ext uri="{BB962C8B-B14F-4D97-AF65-F5344CB8AC3E}">
-        <p14:creationId xmlns:p14="http://schemas.microsoft.com/office/powerpoint/2010/main" val="647227913"/>
+        <p14:creationId xmlns:p14="http://schemas.microsoft.com/office/powerpoint/2010/main" val="3801400895"/>
       </p:ext>
     </p:extLst>
   </p:cSld>
@@ -1122,8 +1120,8 @@
         </p:nvSpPr>
         <p:spPr>
           <a:xfrm>
-            <a:off x="754380" y="1703917"/>
-            <a:ext cx="4663440" cy="4061249"/>
+            <a:off x="471488" y="1764771"/>
+            <a:ext cx="2914650" cy="4206293"/>
           </a:xfrm>
         </p:spPr>
         <p:txBody>
@@ -1179,8 +1177,8 @@
         </p:nvSpPr>
         <p:spPr>
           <a:xfrm>
-            <a:off x="5554980" y="1703917"/>
-            <a:ext cx="4663440" cy="4061249"/>
+            <a:off x="3471863" y="1764771"/>
+            <a:ext cx="2914650" cy="4206293"/>
           </a:xfrm>
         </p:spPr>
         <p:txBody>
@@ -1239,7 +1237,7 @@
           <a:bodyPr/>
           <a:lstStyle/>
           <a:p>
-            <a:fld id="{C8233FE8-1E41-D541-91AD-4E9927E90720}" type="datetimeFigureOut">
+            <a:fld id="{401E1E6C-EA39-C04F-8BD7-24F3AA3999CD}" type="datetimeFigureOut">
               <a:rPr lang="en-US" smtClean="0"/>
               <a:t>9/11/20</a:t>
             </a:fld>
@@ -1281,7 +1279,7 @@
           <a:bodyPr/>
           <a:lstStyle/>
           <a:p>
-            <a:fld id="{64326515-4E57-324A-9D90-4D1FE44B4FA9}" type="slidenum">
+            <a:fld id="{BDE76867-A68E-9544-9830-80F90AD71362}" type="slidenum">
               <a:rPr lang="en-US" smtClean="0"/>
               <a:t>‹#›</a:t>
             </a:fld>
@@ -1292,7 +1290,7 @@
     </p:spTree>
     <p:extLst>
       <p:ext uri="{BB962C8B-B14F-4D97-AF65-F5344CB8AC3E}">
-        <p14:creationId xmlns:p14="http://schemas.microsoft.com/office/powerpoint/2010/main" val="2550794997"/>
+        <p14:creationId xmlns:p14="http://schemas.microsoft.com/office/powerpoint/2010/main" val="3614899142"/>
       </p:ext>
     </p:extLst>
   </p:cSld>
@@ -1331,8 +1329,8 @@
         </p:nvSpPr>
         <p:spPr>
           <a:xfrm>
-            <a:off x="755809" y="340784"/>
-            <a:ext cx="9464040" cy="1237192"/>
+            <a:off x="472381" y="352955"/>
+            <a:ext cx="5915025" cy="1281378"/>
           </a:xfrm>
         </p:spPr>
         <p:txBody>
@@ -1359,8 +1357,8 @@
         </p:nvSpPr>
         <p:spPr>
           <a:xfrm>
-            <a:off x="755810" y="1569085"/>
-            <a:ext cx="4642008" cy="768985"/>
+            <a:off x="472381" y="1625124"/>
+            <a:ext cx="2901255" cy="796448"/>
           </a:xfrm>
         </p:spPr>
         <p:txBody>
@@ -1368,39 +1366,39 @@
           <a:lstStyle>
             <a:lvl1pPr marL="0" indent="0">
               <a:buNone/>
-              <a:defRPr sz="2160" b="1"/>
+              <a:defRPr sz="1800" b="1"/>
             </a:lvl1pPr>
-            <a:lvl2pPr marL="411480" indent="0">
-              <a:buNone/>
-              <a:defRPr sz="1800" b="1"/>
+            <a:lvl2pPr marL="342900" indent="0">
+              <a:buNone/>
+              <a:defRPr sz="1500" b="1"/>
             </a:lvl2pPr>
-            <a:lvl3pPr marL="822960" indent="0">
-              <a:buNone/>
-              <a:defRPr sz="1620" b="1"/>
+            <a:lvl3pPr marL="685800" indent="0">
+              <a:buNone/>
+              <a:defRPr sz="1350" b="1"/>
             </a:lvl3pPr>
-            <a:lvl4pPr marL="1234440" indent="0">
-              <a:buNone/>
-              <a:defRPr sz="1440" b="1"/>
+            <a:lvl4pPr marL="1028700" indent="0">
+              <a:buNone/>
+              <a:defRPr sz="1200" b="1"/>
             </a:lvl4pPr>
-            <a:lvl5pPr marL="1645920" indent="0">
-              <a:buNone/>
-              <a:defRPr sz="1440" b="1"/>
+            <a:lvl5pPr marL="1371600" indent="0">
+              <a:buNone/>
+              <a:defRPr sz="1200" b="1"/>
             </a:lvl5pPr>
-            <a:lvl6pPr marL="2057400" indent="0">
-              <a:buNone/>
-              <a:defRPr sz="1440" b="1"/>
+            <a:lvl6pPr marL="1714500" indent="0">
+              <a:buNone/>
+              <a:defRPr sz="1200" b="1"/>
             </a:lvl6pPr>
-            <a:lvl7pPr marL="2468880" indent="0">
-              <a:buNone/>
-              <a:defRPr sz="1440" b="1"/>
+            <a:lvl7pPr marL="2057400" indent="0">
+              <a:buNone/>
+              <a:defRPr sz="1200" b="1"/>
             </a:lvl7pPr>
-            <a:lvl8pPr marL="2880360" indent="0">
-              <a:buNone/>
-              <a:defRPr sz="1440" b="1"/>
+            <a:lvl8pPr marL="2400300" indent="0">
+              <a:buNone/>
+              <a:defRPr sz="1200" b="1"/>
             </a:lvl8pPr>
-            <a:lvl9pPr marL="3291840" indent="0">
-              <a:buNone/>
-              <a:defRPr sz="1440" b="1"/>
+            <a:lvl9pPr marL="2743200" indent="0">
+              <a:buNone/>
+              <a:defRPr sz="1200" b="1"/>
             </a:lvl9pPr>
           </a:lstStyle>
           <a:p>
@@ -1424,8 +1422,8 @@
         </p:nvSpPr>
         <p:spPr>
           <a:xfrm>
-            <a:off x="755810" y="2338070"/>
-            <a:ext cx="4642008" cy="3438949"/>
+            <a:off x="472381" y="2421573"/>
+            <a:ext cx="2901255" cy="3561768"/>
           </a:xfrm>
         </p:spPr>
         <p:txBody>
@@ -1481,8 +1479,8 @@
         </p:nvSpPr>
         <p:spPr>
           <a:xfrm>
-            <a:off x="5554980" y="1569085"/>
-            <a:ext cx="4664869" cy="768985"/>
+            <a:off x="3471863" y="1625124"/>
+            <a:ext cx="2915543" cy="796448"/>
           </a:xfrm>
         </p:spPr>
         <p:txBody>
@@ -1490,39 +1488,39 @@
           <a:lstStyle>
             <a:lvl1pPr marL="0" indent="0">
               <a:buNone/>
-              <a:defRPr sz="2160" b="1"/>
+              <a:defRPr sz="1800" b="1"/>
             </a:lvl1pPr>
-            <a:lvl2pPr marL="411480" indent="0">
-              <a:buNone/>
-              <a:defRPr sz="1800" b="1"/>
+            <a:lvl2pPr marL="342900" indent="0">
+              <a:buNone/>
+              <a:defRPr sz="1500" b="1"/>
             </a:lvl2pPr>
-            <a:lvl3pPr marL="822960" indent="0">
-              <a:buNone/>
-              <a:defRPr sz="1620" b="1"/>
+            <a:lvl3pPr marL="685800" indent="0">
+              <a:buNone/>
+              <a:defRPr sz="1350" b="1"/>
             </a:lvl3pPr>
-            <a:lvl4pPr marL="1234440" indent="0">
-              <a:buNone/>
-              <a:defRPr sz="1440" b="1"/>
+            <a:lvl4pPr marL="1028700" indent="0">
+              <a:buNone/>
+              <a:defRPr sz="1200" b="1"/>
             </a:lvl4pPr>
-            <a:lvl5pPr marL="1645920" indent="0">
-              <a:buNone/>
-              <a:defRPr sz="1440" b="1"/>
+            <a:lvl5pPr marL="1371600" indent="0">
+              <a:buNone/>
+              <a:defRPr sz="1200" b="1"/>
             </a:lvl5pPr>
-            <a:lvl6pPr marL="2057400" indent="0">
-              <a:buNone/>
-              <a:defRPr sz="1440" b="1"/>
+            <a:lvl6pPr marL="1714500" indent="0">
+              <a:buNone/>
+              <a:defRPr sz="1200" b="1"/>
             </a:lvl6pPr>
-            <a:lvl7pPr marL="2468880" indent="0">
-              <a:buNone/>
-              <a:defRPr sz="1440" b="1"/>
+            <a:lvl7pPr marL="2057400" indent="0">
+              <a:buNone/>
+              <a:defRPr sz="1200" b="1"/>
             </a:lvl7pPr>
-            <a:lvl8pPr marL="2880360" indent="0">
-              <a:buNone/>
-              <a:defRPr sz="1440" b="1"/>
+            <a:lvl8pPr marL="2400300" indent="0">
+              <a:buNone/>
+              <a:defRPr sz="1200" b="1"/>
             </a:lvl8pPr>
-            <a:lvl9pPr marL="3291840" indent="0">
-              <a:buNone/>
-              <a:defRPr sz="1440" b="1"/>
+            <a:lvl9pPr marL="2743200" indent="0">
+              <a:buNone/>
+              <a:defRPr sz="1200" b="1"/>
             </a:lvl9pPr>
           </a:lstStyle>
           <a:p>
@@ -1546,8 +1544,8 @@
         </p:nvSpPr>
         <p:spPr>
           <a:xfrm>
-            <a:off x="5554980" y="2338070"/>
-            <a:ext cx="4664869" cy="3438949"/>
+            <a:off x="3471863" y="2421573"/>
+            <a:ext cx="2915543" cy="3561768"/>
           </a:xfrm>
         </p:spPr>
         <p:txBody>
@@ -1606,7 +1604,7 @@
           <a:bodyPr/>
           <a:lstStyle/>
           <a:p>
-            <a:fld id="{C8233FE8-1E41-D541-91AD-4E9927E90720}" type="datetimeFigureOut">
+            <a:fld id="{401E1E6C-EA39-C04F-8BD7-24F3AA3999CD}" type="datetimeFigureOut">
               <a:rPr lang="en-US" smtClean="0"/>
               <a:t>9/11/20</a:t>
             </a:fld>
@@ -1648,7 +1646,7 @@
           <a:bodyPr/>
           <a:lstStyle/>
           <a:p>
-            <a:fld id="{64326515-4E57-324A-9D90-4D1FE44B4FA9}" type="slidenum">
+            <a:fld id="{BDE76867-A68E-9544-9830-80F90AD71362}" type="slidenum">
               <a:rPr lang="en-US" smtClean="0"/>
               <a:t>‹#›</a:t>
             </a:fld>
@@ -1659,7 +1657,7 @@
     </p:spTree>
     <p:extLst>
       <p:ext uri="{BB962C8B-B14F-4D97-AF65-F5344CB8AC3E}">
-        <p14:creationId xmlns:p14="http://schemas.microsoft.com/office/powerpoint/2010/main" val="928845772"/>
+        <p14:creationId xmlns:p14="http://schemas.microsoft.com/office/powerpoint/2010/main" val="2878305486"/>
       </p:ext>
     </p:extLst>
   </p:cSld>
@@ -1724,7 +1722,7 @@
           <a:bodyPr/>
           <a:lstStyle/>
           <a:p>
-            <a:fld id="{C8233FE8-1E41-D541-91AD-4E9927E90720}" type="datetimeFigureOut">
+            <a:fld id="{401E1E6C-EA39-C04F-8BD7-24F3AA3999CD}" type="datetimeFigureOut">
               <a:rPr lang="en-US" smtClean="0"/>
               <a:t>9/11/20</a:t>
             </a:fld>
@@ -1766,7 +1764,7 @@
           <a:bodyPr/>
           <a:lstStyle/>
           <a:p>
-            <a:fld id="{64326515-4E57-324A-9D90-4D1FE44B4FA9}" type="slidenum">
+            <a:fld id="{BDE76867-A68E-9544-9830-80F90AD71362}" type="slidenum">
               <a:rPr lang="en-US" smtClean="0"/>
               <a:t>‹#›</a:t>
             </a:fld>
@@ -1777,7 +1775,7 @@
     </p:spTree>
     <p:extLst>
       <p:ext uri="{BB962C8B-B14F-4D97-AF65-F5344CB8AC3E}">
-        <p14:creationId xmlns:p14="http://schemas.microsoft.com/office/powerpoint/2010/main" val="791783771"/>
+        <p14:creationId xmlns:p14="http://schemas.microsoft.com/office/powerpoint/2010/main" val="3775287965"/>
       </p:ext>
     </p:extLst>
   </p:cSld>
@@ -1819,7 +1817,7 @@
           <a:bodyPr/>
           <a:lstStyle/>
           <a:p>
-            <a:fld id="{C8233FE8-1E41-D541-91AD-4E9927E90720}" type="datetimeFigureOut">
+            <a:fld id="{401E1E6C-EA39-C04F-8BD7-24F3AA3999CD}" type="datetimeFigureOut">
               <a:rPr lang="en-US" smtClean="0"/>
               <a:t>9/11/20</a:t>
             </a:fld>
@@ -1861,7 +1859,7 @@
           <a:bodyPr/>
           <a:lstStyle/>
           <a:p>
-            <a:fld id="{64326515-4E57-324A-9D90-4D1FE44B4FA9}" type="slidenum">
+            <a:fld id="{BDE76867-A68E-9544-9830-80F90AD71362}" type="slidenum">
               <a:rPr lang="en-US" smtClean="0"/>
               <a:t>‹#›</a:t>
             </a:fld>
@@ -1872,7 +1870,7 @@
     </p:spTree>
     <p:extLst>
       <p:ext uri="{BB962C8B-B14F-4D97-AF65-F5344CB8AC3E}">
-        <p14:creationId xmlns:p14="http://schemas.microsoft.com/office/powerpoint/2010/main" val="49108105"/>
+        <p14:creationId xmlns:p14="http://schemas.microsoft.com/office/powerpoint/2010/main" val="3810562965"/>
       </p:ext>
     </p:extLst>
   </p:cSld>
@@ -1911,15 +1909,15 @@
         </p:nvSpPr>
         <p:spPr>
           <a:xfrm>
-            <a:off x="755810" y="426720"/>
-            <a:ext cx="3539013" cy="1493520"/>
+            <a:off x="472381" y="441960"/>
+            <a:ext cx="2211884" cy="1546860"/>
           </a:xfrm>
         </p:spPr>
         <p:txBody>
           <a:bodyPr anchor="b"/>
           <a:lstStyle>
             <a:lvl1pPr>
-              <a:defRPr sz="2880"/>
+              <a:defRPr sz="2400"/>
             </a:lvl1pPr>
           </a:lstStyle>
           <a:p>
@@ -1943,39 +1941,39 @@
         </p:nvSpPr>
         <p:spPr>
           <a:xfrm>
-            <a:off x="4664869" y="921597"/>
-            <a:ext cx="5554980" cy="4548717"/>
+            <a:off x="2915543" y="954512"/>
+            <a:ext cx="3471863" cy="4711171"/>
           </a:xfrm>
         </p:spPr>
         <p:txBody>
           <a:bodyPr/>
           <a:lstStyle>
             <a:lvl1pPr>
-              <a:defRPr sz="2880"/>
+              <a:defRPr sz="2400"/>
             </a:lvl1pPr>
             <a:lvl2pPr>
-              <a:defRPr sz="2520"/>
+              <a:defRPr sz="2100"/>
             </a:lvl2pPr>
             <a:lvl3pPr>
-              <a:defRPr sz="2160"/>
+              <a:defRPr sz="1800"/>
             </a:lvl3pPr>
             <a:lvl4pPr>
-              <a:defRPr sz="1800"/>
+              <a:defRPr sz="1500"/>
             </a:lvl4pPr>
             <a:lvl5pPr>
-              <a:defRPr sz="1800"/>
+              <a:defRPr sz="1500"/>
             </a:lvl5pPr>
             <a:lvl6pPr>
-              <a:defRPr sz="1800"/>
+              <a:defRPr sz="1500"/>
             </a:lvl6pPr>
             <a:lvl7pPr>
-              <a:defRPr sz="1800"/>
+              <a:defRPr sz="1500"/>
             </a:lvl7pPr>
             <a:lvl8pPr>
-              <a:defRPr sz="1800"/>
+              <a:defRPr sz="1500"/>
             </a:lvl8pPr>
             <a:lvl9pPr>
-              <a:defRPr sz="1800"/>
+              <a:defRPr sz="1500"/>
             </a:lvl9pPr>
           </a:lstStyle>
           <a:p>
@@ -2028,8 +2026,8 @@
         </p:nvSpPr>
         <p:spPr>
           <a:xfrm>
-            <a:off x="755810" y="1920240"/>
-            <a:ext cx="3539013" cy="3557482"/>
+            <a:off x="472381" y="1988820"/>
+            <a:ext cx="2211884" cy="3684535"/>
           </a:xfrm>
         </p:spPr>
         <p:txBody>
@@ -2037,39 +2035,39 @@
           <a:lstStyle>
             <a:lvl1pPr marL="0" indent="0">
               <a:buNone/>
-              <a:defRPr sz="1440"/>
+              <a:defRPr sz="1200"/>
             </a:lvl1pPr>
-            <a:lvl2pPr marL="411480" indent="0">
-              <a:buNone/>
-              <a:defRPr sz="1260"/>
+            <a:lvl2pPr marL="342900" indent="0">
+              <a:buNone/>
+              <a:defRPr sz="1050"/>
             </a:lvl2pPr>
-            <a:lvl3pPr marL="822960" indent="0">
-              <a:buNone/>
-              <a:defRPr sz="1080"/>
+            <a:lvl3pPr marL="685800" indent="0">
+              <a:buNone/>
+              <a:defRPr sz="900"/>
             </a:lvl3pPr>
-            <a:lvl4pPr marL="1234440" indent="0">
-              <a:buNone/>
-              <a:defRPr sz="900"/>
+            <a:lvl4pPr marL="1028700" indent="0">
+              <a:buNone/>
+              <a:defRPr sz="750"/>
             </a:lvl4pPr>
-            <a:lvl5pPr marL="1645920" indent="0">
-              <a:buNone/>
-              <a:defRPr sz="900"/>
+            <a:lvl5pPr marL="1371600" indent="0">
+              <a:buNone/>
+              <a:defRPr sz="750"/>
             </a:lvl5pPr>
-            <a:lvl6pPr marL="2057400" indent="0">
-              <a:buNone/>
-              <a:defRPr sz="900"/>
+            <a:lvl6pPr marL="1714500" indent="0">
+              <a:buNone/>
+              <a:defRPr sz="750"/>
             </a:lvl6pPr>
-            <a:lvl7pPr marL="2468880" indent="0">
-              <a:buNone/>
-              <a:defRPr sz="900"/>
+            <a:lvl7pPr marL="2057400" indent="0">
+              <a:buNone/>
+              <a:defRPr sz="750"/>
             </a:lvl7pPr>
-            <a:lvl8pPr marL="2880360" indent="0">
-              <a:buNone/>
-              <a:defRPr sz="900"/>
+            <a:lvl8pPr marL="2400300" indent="0">
+              <a:buNone/>
+              <a:defRPr sz="750"/>
             </a:lvl8pPr>
-            <a:lvl9pPr marL="3291840" indent="0">
-              <a:buNone/>
-              <a:defRPr sz="900"/>
+            <a:lvl9pPr marL="2743200" indent="0">
+              <a:buNone/>
+              <a:defRPr sz="750"/>
             </a:lvl9pPr>
           </a:lstStyle>
           <a:p>
@@ -2096,7 +2094,7 @@
           <a:bodyPr/>
           <a:lstStyle/>
           <a:p>
-            <a:fld id="{C8233FE8-1E41-D541-91AD-4E9927E90720}" type="datetimeFigureOut">
+            <a:fld id="{401E1E6C-EA39-C04F-8BD7-24F3AA3999CD}" type="datetimeFigureOut">
               <a:rPr lang="en-US" smtClean="0"/>
               <a:t>9/11/20</a:t>
             </a:fld>
@@ -2138,7 +2136,7 @@
           <a:bodyPr/>
           <a:lstStyle/>
           <a:p>
-            <a:fld id="{64326515-4E57-324A-9D90-4D1FE44B4FA9}" type="slidenum">
+            <a:fld id="{BDE76867-A68E-9544-9830-80F90AD71362}" type="slidenum">
               <a:rPr lang="en-US" smtClean="0"/>
               <a:t>‹#›</a:t>
             </a:fld>
@@ -2149,7 +2147,7 @@
     </p:spTree>
     <p:extLst>
       <p:ext uri="{BB962C8B-B14F-4D97-AF65-F5344CB8AC3E}">
-        <p14:creationId xmlns:p14="http://schemas.microsoft.com/office/powerpoint/2010/main" val="1797026691"/>
+        <p14:creationId xmlns:p14="http://schemas.microsoft.com/office/powerpoint/2010/main" val="113540754"/>
       </p:ext>
     </p:extLst>
   </p:cSld>
@@ -2188,15 +2186,15 @@
         </p:nvSpPr>
         <p:spPr>
           <a:xfrm>
-            <a:off x="755810" y="426720"/>
-            <a:ext cx="3539013" cy="1493520"/>
+            <a:off x="472381" y="441960"/>
+            <a:ext cx="2211884" cy="1546860"/>
           </a:xfrm>
         </p:spPr>
         <p:txBody>
           <a:bodyPr anchor="b"/>
           <a:lstStyle>
             <a:lvl1pPr>
-              <a:defRPr sz="2880"/>
+              <a:defRPr sz="2400"/>
             </a:lvl1pPr>
           </a:lstStyle>
           <a:p>
@@ -2220,8 +2218,8 @@
         </p:nvSpPr>
         <p:spPr>
           <a:xfrm>
-            <a:off x="4664869" y="921597"/>
-            <a:ext cx="5554980" cy="4548717"/>
+            <a:off x="2915543" y="954512"/>
+            <a:ext cx="3471863" cy="4711171"/>
           </a:xfrm>
         </p:spPr>
         <p:txBody>
@@ -2229,39 +2227,39 @@
           <a:lstStyle>
             <a:lvl1pPr marL="0" indent="0">
               <a:buNone/>
-              <a:defRPr sz="2880"/>
+              <a:defRPr sz="2400"/>
             </a:lvl1pPr>
-            <a:lvl2pPr marL="411480" indent="0">
-              <a:buNone/>
-              <a:defRPr sz="2520"/>
+            <a:lvl2pPr marL="342900" indent="0">
+              <a:buNone/>
+              <a:defRPr sz="2100"/>
             </a:lvl2pPr>
-            <a:lvl3pPr marL="822960" indent="0">
-              <a:buNone/>
-              <a:defRPr sz="2160"/>
+            <a:lvl3pPr marL="685800" indent="0">
+              <a:buNone/>
+              <a:defRPr sz="1800"/>
             </a:lvl3pPr>
-            <a:lvl4pPr marL="1234440" indent="0">
-              <a:buNone/>
-              <a:defRPr sz="1800"/>
+            <a:lvl4pPr marL="1028700" indent="0">
+              <a:buNone/>
+              <a:defRPr sz="1500"/>
             </a:lvl4pPr>
-            <a:lvl5pPr marL="1645920" indent="0">
-              <a:buNone/>
-              <a:defRPr sz="1800"/>
+            <a:lvl5pPr marL="1371600" indent="0">
+              <a:buNone/>
+              <a:defRPr sz="1500"/>
             </a:lvl5pPr>
-            <a:lvl6pPr marL="2057400" indent="0">
-              <a:buNone/>
-              <a:defRPr sz="1800"/>
+            <a:lvl6pPr marL="1714500" indent="0">
+              <a:buNone/>
+              <a:defRPr sz="1500"/>
             </a:lvl6pPr>
-            <a:lvl7pPr marL="2468880" indent="0">
-              <a:buNone/>
-              <a:defRPr sz="1800"/>
+            <a:lvl7pPr marL="2057400" indent="0">
+              <a:buNone/>
+              <a:defRPr sz="1500"/>
             </a:lvl7pPr>
-            <a:lvl8pPr marL="2880360" indent="0">
-              <a:buNone/>
-              <a:defRPr sz="1800"/>
+            <a:lvl8pPr marL="2400300" indent="0">
+              <a:buNone/>
+              <a:defRPr sz="1500"/>
             </a:lvl8pPr>
-            <a:lvl9pPr marL="3291840" indent="0">
-              <a:buNone/>
-              <a:defRPr sz="1800"/>
+            <a:lvl9pPr marL="2743200" indent="0">
+              <a:buNone/>
+              <a:defRPr sz="1500"/>
             </a:lvl9pPr>
           </a:lstStyle>
           <a:p>
@@ -2285,8 +2283,8 @@
         </p:nvSpPr>
         <p:spPr>
           <a:xfrm>
-            <a:off x="755810" y="1920240"/>
-            <a:ext cx="3539013" cy="3557482"/>
+            <a:off x="472381" y="1988820"/>
+            <a:ext cx="2211884" cy="3684535"/>
           </a:xfrm>
         </p:spPr>
         <p:txBody>
@@ -2294,39 +2292,39 @@
           <a:lstStyle>
             <a:lvl1pPr marL="0" indent="0">
               <a:buNone/>
-              <a:defRPr sz="1440"/>
+              <a:defRPr sz="1200"/>
             </a:lvl1pPr>
-            <a:lvl2pPr marL="411480" indent="0">
-              <a:buNone/>
-              <a:defRPr sz="1260"/>
+            <a:lvl2pPr marL="342900" indent="0">
+              <a:buNone/>
+              <a:defRPr sz="1050"/>
             </a:lvl2pPr>
-            <a:lvl3pPr marL="822960" indent="0">
-              <a:buNone/>
-              <a:defRPr sz="1080"/>
+            <a:lvl3pPr marL="685800" indent="0">
+              <a:buNone/>
+              <a:defRPr sz="900"/>
             </a:lvl3pPr>
-            <a:lvl4pPr marL="1234440" indent="0">
-              <a:buNone/>
-              <a:defRPr sz="900"/>
+            <a:lvl4pPr marL="1028700" indent="0">
+              <a:buNone/>
+              <a:defRPr sz="750"/>
             </a:lvl4pPr>
-            <a:lvl5pPr marL="1645920" indent="0">
-              <a:buNone/>
-              <a:defRPr sz="900"/>
+            <a:lvl5pPr marL="1371600" indent="0">
+              <a:buNone/>
+              <a:defRPr sz="750"/>
             </a:lvl5pPr>
-            <a:lvl6pPr marL="2057400" indent="0">
-              <a:buNone/>
-              <a:defRPr sz="900"/>
+            <a:lvl6pPr marL="1714500" indent="0">
+              <a:buNone/>
+              <a:defRPr sz="750"/>
             </a:lvl6pPr>
-            <a:lvl7pPr marL="2468880" indent="0">
-              <a:buNone/>
-              <a:defRPr sz="900"/>
+            <a:lvl7pPr marL="2057400" indent="0">
+              <a:buNone/>
+              <a:defRPr sz="750"/>
             </a:lvl7pPr>
-            <a:lvl8pPr marL="2880360" indent="0">
-              <a:buNone/>
-              <a:defRPr sz="900"/>
+            <a:lvl8pPr marL="2400300" indent="0">
+              <a:buNone/>
+              <a:defRPr sz="750"/>
             </a:lvl8pPr>
-            <a:lvl9pPr marL="3291840" indent="0">
-              <a:buNone/>
-              <a:defRPr sz="900"/>
+            <a:lvl9pPr marL="2743200" indent="0">
+              <a:buNone/>
+              <a:defRPr sz="750"/>
             </a:lvl9pPr>
           </a:lstStyle>
           <a:p>
@@ -2353,7 +2351,7 @@
           <a:bodyPr/>
           <a:lstStyle/>
           <a:p>
-            <a:fld id="{C8233FE8-1E41-D541-91AD-4E9927E90720}" type="datetimeFigureOut">
+            <a:fld id="{401E1E6C-EA39-C04F-8BD7-24F3AA3999CD}" type="datetimeFigureOut">
               <a:rPr lang="en-US" smtClean="0"/>
               <a:t>9/11/20</a:t>
             </a:fld>
@@ -2395,7 +2393,7 @@
           <a:bodyPr/>
           <a:lstStyle/>
           <a:p>
-            <a:fld id="{64326515-4E57-324A-9D90-4D1FE44B4FA9}" type="slidenum">
+            <a:fld id="{BDE76867-A68E-9544-9830-80F90AD71362}" type="slidenum">
               <a:rPr lang="en-US" smtClean="0"/>
               <a:t>‹#›</a:t>
             </a:fld>
@@ -2406,7 +2404,7 @@
     </p:spTree>
     <p:extLst>
       <p:ext uri="{BB962C8B-B14F-4D97-AF65-F5344CB8AC3E}">
-        <p14:creationId xmlns:p14="http://schemas.microsoft.com/office/powerpoint/2010/main" val="4221759790"/>
+        <p14:creationId xmlns:p14="http://schemas.microsoft.com/office/powerpoint/2010/main" val="3380703074"/>
       </p:ext>
     </p:extLst>
   </p:cSld>
@@ -2450,8 +2448,8 @@
         </p:nvSpPr>
         <p:spPr>
           <a:xfrm>
-            <a:off x="754380" y="340784"/>
-            <a:ext cx="9464040" cy="1237192"/>
+            <a:off x="471488" y="352955"/>
+            <a:ext cx="5915025" cy="1281378"/>
           </a:xfrm>
           <a:prstGeom prst="rect">
             <a:avLst/>
@@ -2483,8 +2481,8 @@
         </p:nvSpPr>
         <p:spPr>
           <a:xfrm>
-            <a:off x="754380" y="1703917"/>
-            <a:ext cx="9464040" cy="4061249"/>
+            <a:off x="471488" y="1764771"/>
+            <a:ext cx="5915025" cy="4206293"/>
           </a:xfrm>
           <a:prstGeom prst="rect">
             <a:avLst/>
@@ -2545,8 +2543,8 @@
         </p:nvSpPr>
         <p:spPr>
           <a:xfrm>
-            <a:off x="754380" y="5932594"/>
-            <a:ext cx="2468880" cy="340783"/>
+            <a:off x="471488" y="6144473"/>
+            <a:ext cx="1543050" cy="352954"/>
           </a:xfrm>
           <a:prstGeom prst="rect">
             <a:avLst/>
@@ -2556,7 +2554,7 @@
           <a:bodyPr vert="horz" lIns="91440" tIns="45720" rIns="91440" bIns="45720" rtlCol="0" anchor="ctr"/>
           <a:lstStyle>
             <a:lvl1pPr algn="l">
-              <a:defRPr sz="1080">
+              <a:defRPr sz="900">
                 <a:solidFill>
                   <a:schemeClr val="tx1">
                     <a:tint val="75000"/>
@@ -2566,7 +2564,7 @@
             </a:lvl1pPr>
           </a:lstStyle>
           <a:p>
-            <a:fld id="{C8233FE8-1E41-D541-91AD-4E9927E90720}" type="datetimeFigureOut">
+            <a:fld id="{401E1E6C-EA39-C04F-8BD7-24F3AA3999CD}" type="datetimeFigureOut">
               <a:rPr lang="en-US" smtClean="0"/>
               <a:t>9/11/20</a:t>
             </a:fld>
@@ -2586,8 +2584,8 @@
         </p:nvSpPr>
         <p:spPr>
           <a:xfrm>
-            <a:off x="3634740" y="5932594"/>
-            <a:ext cx="3703320" cy="340783"/>
+            <a:off x="2271713" y="6144473"/>
+            <a:ext cx="2314575" cy="352954"/>
           </a:xfrm>
           <a:prstGeom prst="rect">
             <a:avLst/>
@@ -2597,7 +2595,7 @@
           <a:bodyPr vert="horz" lIns="91440" tIns="45720" rIns="91440" bIns="45720" rtlCol="0" anchor="ctr"/>
           <a:lstStyle>
             <a:lvl1pPr algn="ctr">
-              <a:defRPr sz="1080">
+              <a:defRPr sz="900">
                 <a:solidFill>
                   <a:schemeClr val="tx1">
                     <a:tint val="75000"/>
@@ -2623,8 +2621,8 @@
         </p:nvSpPr>
         <p:spPr>
           <a:xfrm>
-            <a:off x="7749540" y="5932594"/>
-            <a:ext cx="2468880" cy="340783"/>
+            <a:off x="4843463" y="6144473"/>
+            <a:ext cx="1543050" cy="352954"/>
           </a:xfrm>
           <a:prstGeom prst="rect">
             <a:avLst/>
@@ -2634,7 +2632,7 @@
           <a:bodyPr vert="horz" lIns="91440" tIns="45720" rIns="91440" bIns="45720" rtlCol="0" anchor="ctr"/>
           <a:lstStyle>
             <a:lvl1pPr algn="r">
-              <a:defRPr sz="1080">
+              <a:defRPr sz="900">
                 <a:solidFill>
                   <a:schemeClr val="tx1">
                     <a:tint val="75000"/>
@@ -2644,7 +2642,7 @@
             </a:lvl1pPr>
           </a:lstStyle>
           <a:p>
-            <a:fld id="{64326515-4E57-324A-9D90-4D1FE44B4FA9}" type="slidenum">
+            <a:fld id="{BDE76867-A68E-9544-9830-80F90AD71362}" type="slidenum">
               <a:rPr lang="en-US" smtClean="0"/>
               <a:t>‹#›</a:t>
             </a:fld>
@@ -2655,7 +2653,7 @@
     </p:spTree>
     <p:extLst>
       <p:ext uri="{BB962C8B-B14F-4D97-AF65-F5344CB8AC3E}">
-        <p14:creationId xmlns:p14="http://schemas.microsoft.com/office/powerpoint/2010/main" val="2307477140"/>
+        <p14:creationId xmlns:p14="http://schemas.microsoft.com/office/powerpoint/2010/main" val="843146705"/>
       </p:ext>
     </p:extLst>
   </p:cSld>
@@ -2675,7 +2673,7 @@
   </p:sldLayoutIdLst>
   <p:txStyles>
     <p:titleStyle>
-      <a:lvl1pPr algn="l" defTabSz="822960" rtl="0" eaLnBrk="1" latinLnBrk="0" hangingPunct="1">
+      <a:lvl1pPr algn="l" defTabSz="685800" rtl="0" eaLnBrk="1" latinLnBrk="0" hangingPunct="1">
         <a:lnSpc>
           <a:spcPct val="90000"/>
         </a:lnSpc>
@@ -2683,7 +2681,7 @@
           <a:spcPct val="0"/>
         </a:spcBef>
         <a:buNone/>
-        <a:defRPr sz="3960" kern="1200">
+        <a:defRPr sz="3300" kern="1200">
           <a:solidFill>
             <a:schemeClr val="tx1"/>
           </a:solidFill>
@@ -2694,16 +2692,16 @@
       </a:lvl1pPr>
     </p:titleStyle>
     <p:bodyStyle>
-      <a:lvl1pPr marL="205740" indent="-205740" algn="l" defTabSz="822960" rtl="0" eaLnBrk="1" latinLnBrk="0" hangingPunct="1">
+      <a:lvl1pPr marL="171450" indent="-171450" algn="l" defTabSz="685800" rtl="0" eaLnBrk="1" latinLnBrk="0" hangingPunct="1">
         <a:lnSpc>
           <a:spcPct val="90000"/>
         </a:lnSpc>
         <a:spcBef>
-          <a:spcPts val="900"/>
+          <a:spcPts val="750"/>
         </a:spcBef>
         <a:buFont typeface="Arial" panose="020B0604020202020204" pitchFamily="34" charset="0"/>
         <a:buChar char="•"/>
-        <a:defRPr sz="2520" kern="1200">
+        <a:defRPr sz="2100" kern="1200">
           <a:solidFill>
             <a:schemeClr val="tx1"/>
           </a:solidFill>
@@ -2712,30 +2710,12 @@
           <a:cs typeface="+mn-cs"/>
         </a:defRPr>
       </a:lvl1pPr>
-      <a:lvl2pPr marL="617220" indent="-205740" algn="l" defTabSz="822960" rtl="0" eaLnBrk="1" latinLnBrk="0" hangingPunct="1">
+      <a:lvl2pPr marL="514350" indent="-171450" algn="l" defTabSz="685800" rtl="0" eaLnBrk="1" latinLnBrk="0" hangingPunct="1">
         <a:lnSpc>
           <a:spcPct val="90000"/>
         </a:lnSpc>
         <a:spcBef>
-          <a:spcPts val="450"/>
-        </a:spcBef>
-        <a:buFont typeface="Arial" panose="020B0604020202020204" pitchFamily="34" charset="0"/>
-        <a:buChar char="•"/>
-        <a:defRPr sz="2160" kern="1200">
-          <a:solidFill>
-            <a:schemeClr val="tx1"/>
-          </a:solidFill>
-          <a:latin typeface="+mn-lt"/>
-          <a:ea typeface="+mn-ea"/>
-          <a:cs typeface="+mn-cs"/>
-        </a:defRPr>
-      </a:lvl2pPr>
-      <a:lvl3pPr marL="1028700" indent="-205740" algn="l" defTabSz="822960" rtl="0" eaLnBrk="1" latinLnBrk="0" hangingPunct="1">
-        <a:lnSpc>
-          <a:spcPct val="90000"/>
-        </a:lnSpc>
-        <a:spcBef>
-          <a:spcPts val="450"/>
+          <a:spcPts val="375"/>
         </a:spcBef>
         <a:buFont typeface="Arial" panose="020B0604020202020204" pitchFamily="34" charset="0"/>
         <a:buChar char="•"/>
@@ -2747,17 +2727,35 @@
           <a:ea typeface="+mn-ea"/>
           <a:cs typeface="+mn-cs"/>
         </a:defRPr>
-      </a:lvl3pPr>
-      <a:lvl4pPr marL="1440180" indent="-205740" algn="l" defTabSz="822960" rtl="0" eaLnBrk="1" latinLnBrk="0" hangingPunct="1">
+      </a:lvl2pPr>
+      <a:lvl3pPr marL="857250" indent="-171450" algn="l" defTabSz="685800" rtl="0" eaLnBrk="1" latinLnBrk="0" hangingPunct="1">
         <a:lnSpc>
           <a:spcPct val="90000"/>
         </a:lnSpc>
         <a:spcBef>
-          <a:spcPts val="450"/>
+          <a:spcPts val="375"/>
         </a:spcBef>
         <a:buFont typeface="Arial" panose="020B0604020202020204" pitchFamily="34" charset="0"/>
         <a:buChar char="•"/>
-        <a:defRPr sz="1620" kern="1200">
+        <a:defRPr sz="1500" kern="1200">
+          <a:solidFill>
+            <a:schemeClr val="tx1"/>
+          </a:solidFill>
+          <a:latin typeface="+mn-lt"/>
+          <a:ea typeface="+mn-ea"/>
+          <a:cs typeface="+mn-cs"/>
+        </a:defRPr>
+      </a:lvl3pPr>
+      <a:lvl4pPr marL="1200150" indent="-171450" algn="l" defTabSz="685800" rtl="0" eaLnBrk="1" latinLnBrk="0" hangingPunct="1">
+        <a:lnSpc>
+          <a:spcPct val="90000"/>
+        </a:lnSpc>
+        <a:spcBef>
+          <a:spcPts val="375"/>
+        </a:spcBef>
+        <a:buFont typeface="Arial" panose="020B0604020202020204" pitchFamily="34" charset="0"/>
+        <a:buChar char="•"/>
+        <a:defRPr sz="1350" kern="1200">
           <a:solidFill>
             <a:schemeClr val="tx1"/>
           </a:solidFill>
@@ -2766,16 +2764,16 @@
           <a:cs typeface="+mn-cs"/>
         </a:defRPr>
       </a:lvl4pPr>
-      <a:lvl5pPr marL="1851660" indent="-205740" algn="l" defTabSz="822960" rtl="0" eaLnBrk="1" latinLnBrk="0" hangingPunct="1">
+      <a:lvl5pPr marL="1543050" indent="-171450" algn="l" defTabSz="685800" rtl="0" eaLnBrk="1" latinLnBrk="0" hangingPunct="1">
         <a:lnSpc>
           <a:spcPct val="90000"/>
         </a:lnSpc>
         <a:spcBef>
-          <a:spcPts val="450"/>
+          <a:spcPts val="375"/>
         </a:spcBef>
         <a:buFont typeface="Arial" panose="020B0604020202020204" pitchFamily="34" charset="0"/>
         <a:buChar char="•"/>
-        <a:defRPr sz="1620" kern="1200">
+        <a:defRPr sz="1350" kern="1200">
           <a:solidFill>
             <a:schemeClr val="tx1"/>
           </a:solidFill>
@@ -2784,16 +2782,16 @@
           <a:cs typeface="+mn-cs"/>
         </a:defRPr>
       </a:lvl5pPr>
-      <a:lvl6pPr marL="2263140" indent="-205740" algn="l" defTabSz="822960" rtl="0" eaLnBrk="1" latinLnBrk="0" hangingPunct="1">
+      <a:lvl6pPr marL="1885950" indent="-171450" algn="l" defTabSz="685800" rtl="0" eaLnBrk="1" latinLnBrk="0" hangingPunct="1">
         <a:lnSpc>
           <a:spcPct val="90000"/>
         </a:lnSpc>
         <a:spcBef>
-          <a:spcPts val="450"/>
+          <a:spcPts val="375"/>
         </a:spcBef>
         <a:buFont typeface="Arial" panose="020B0604020202020204" pitchFamily="34" charset="0"/>
         <a:buChar char="•"/>
-        <a:defRPr sz="1620" kern="1200">
+        <a:defRPr sz="1350" kern="1200">
           <a:solidFill>
             <a:schemeClr val="tx1"/>
           </a:solidFill>
@@ -2802,16 +2800,16 @@
           <a:cs typeface="+mn-cs"/>
         </a:defRPr>
       </a:lvl6pPr>
-      <a:lvl7pPr marL="2674620" indent="-205740" algn="l" defTabSz="822960" rtl="0" eaLnBrk="1" latinLnBrk="0" hangingPunct="1">
+      <a:lvl7pPr marL="2228850" indent="-171450" algn="l" defTabSz="685800" rtl="0" eaLnBrk="1" latinLnBrk="0" hangingPunct="1">
         <a:lnSpc>
           <a:spcPct val="90000"/>
         </a:lnSpc>
         <a:spcBef>
-          <a:spcPts val="450"/>
+          <a:spcPts val="375"/>
         </a:spcBef>
         <a:buFont typeface="Arial" panose="020B0604020202020204" pitchFamily="34" charset="0"/>
         <a:buChar char="•"/>
-        <a:defRPr sz="1620" kern="1200">
+        <a:defRPr sz="1350" kern="1200">
           <a:solidFill>
             <a:schemeClr val="tx1"/>
           </a:solidFill>
@@ -2820,16 +2818,16 @@
           <a:cs typeface="+mn-cs"/>
         </a:defRPr>
       </a:lvl7pPr>
-      <a:lvl8pPr marL="3086100" indent="-205740" algn="l" defTabSz="822960" rtl="0" eaLnBrk="1" latinLnBrk="0" hangingPunct="1">
+      <a:lvl8pPr marL="2571750" indent="-171450" algn="l" defTabSz="685800" rtl="0" eaLnBrk="1" latinLnBrk="0" hangingPunct="1">
         <a:lnSpc>
           <a:spcPct val="90000"/>
         </a:lnSpc>
         <a:spcBef>
-          <a:spcPts val="450"/>
+          <a:spcPts val="375"/>
         </a:spcBef>
         <a:buFont typeface="Arial" panose="020B0604020202020204" pitchFamily="34" charset="0"/>
         <a:buChar char="•"/>
-        <a:defRPr sz="1620" kern="1200">
+        <a:defRPr sz="1350" kern="1200">
           <a:solidFill>
             <a:schemeClr val="tx1"/>
           </a:solidFill>
@@ -2838,16 +2836,16 @@
           <a:cs typeface="+mn-cs"/>
         </a:defRPr>
       </a:lvl8pPr>
-      <a:lvl9pPr marL="3497580" indent="-205740" algn="l" defTabSz="822960" rtl="0" eaLnBrk="1" latinLnBrk="0" hangingPunct="1">
+      <a:lvl9pPr marL="2914650" indent="-171450" algn="l" defTabSz="685800" rtl="0" eaLnBrk="1" latinLnBrk="0" hangingPunct="1">
         <a:lnSpc>
           <a:spcPct val="90000"/>
         </a:lnSpc>
         <a:spcBef>
-          <a:spcPts val="450"/>
+          <a:spcPts val="375"/>
         </a:spcBef>
         <a:buFont typeface="Arial" panose="020B0604020202020204" pitchFamily="34" charset="0"/>
         <a:buChar char="•"/>
-        <a:defRPr sz="1620" kern="1200">
+        <a:defRPr sz="1350" kern="1200">
           <a:solidFill>
             <a:schemeClr val="tx1"/>
           </a:solidFill>
@@ -2861,8 +2859,8 @@
       <a:defPPr>
         <a:defRPr lang="en-US"/>
       </a:defPPr>
-      <a:lvl1pPr marL="0" algn="l" defTabSz="822960" rtl="0" eaLnBrk="1" latinLnBrk="0" hangingPunct="1">
-        <a:defRPr sz="1620" kern="1200">
+      <a:lvl1pPr marL="0" algn="l" defTabSz="685800" rtl="0" eaLnBrk="1" latinLnBrk="0" hangingPunct="1">
+        <a:defRPr sz="1350" kern="1200">
           <a:solidFill>
             <a:schemeClr val="tx1"/>
           </a:solidFill>
@@ -2871,8 +2869,8 @@
           <a:cs typeface="+mn-cs"/>
         </a:defRPr>
       </a:lvl1pPr>
-      <a:lvl2pPr marL="411480" algn="l" defTabSz="822960" rtl="0" eaLnBrk="1" latinLnBrk="0" hangingPunct="1">
-        <a:defRPr sz="1620" kern="1200">
+      <a:lvl2pPr marL="342900" algn="l" defTabSz="685800" rtl="0" eaLnBrk="1" latinLnBrk="0" hangingPunct="1">
+        <a:defRPr sz="1350" kern="1200">
           <a:solidFill>
             <a:schemeClr val="tx1"/>
           </a:solidFill>
@@ -2881,8 +2879,8 @@
           <a:cs typeface="+mn-cs"/>
         </a:defRPr>
       </a:lvl2pPr>
-      <a:lvl3pPr marL="822960" algn="l" defTabSz="822960" rtl="0" eaLnBrk="1" latinLnBrk="0" hangingPunct="1">
-        <a:defRPr sz="1620" kern="1200">
+      <a:lvl3pPr marL="685800" algn="l" defTabSz="685800" rtl="0" eaLnBrk="1" latinLnBrk="0" hangingPunct="1">
+        <a:defRPr sz="1350" kern="1200">
           <a:solidFill>
             <a:schemeClr val="tx1"/>
           </a:solidFill>
@@ -2891,8 +2889,8 @@
           <a:cs typeface="+mn-cs"/>
         </a:defRPr>
       </a:lvl3pPr>
-      <a:lvl4pPr marL="1234440" algn="l" defTabSz="822960" rtl="0" eaLnBrk="1" latinLnBrk="0" hangingPunct="1">
-        <a:defRPr sz="1620" kern="1200">
+      <a:lvl4pPr marL="1028700" algn="l" defTabSz="685800" rtl="0" eaLnBrk="1" latinLnBrk="0" hangingPunct="1">
+        <a:defRPr sz="1350" kern="1200">
           <a:solidFill>
             <a:schemeClr val="tx1"/>
           </a:solidFill>
@@ -2901,8 +2899,8 @@
           <a:cs typeface="+mn-cs"/>
         </a:defRPr>
       </a:lvl4pPr>
-      <a:lvl5pPr marL="1645920" algn="l" defTabSz="822960" rtl="0" eaLnBrk="1" latinLnBrk="0" hangingPunct="1">
-        <a:defRPr sz="1620" kern="1200">
+      <a:lvl5pPr marL="1371600" algn="l" defTabSz="685800" rtl="0" eaLnBrk="1" latinLnBrk="0" hangingPunct="1">
+        <a:defRPr sz="1350" kern="1200">
           <a:solidFill>
             <a:schemeClr val="tx1"/>
           </a:solidFill>
@@ -2911,8 +2909,8 @@
           <a:cs typeface="+mn-cs"/>
         </a:defRPr>
       </a:lvl5pPr>
-      <a:lvl6pPr marL="2057400" algn="l" defTabSz="822960" rtl="0" eaLnBrk="1" latinLnBrk="0" hangingPunct="1">
-        <a:defRPr sz="1620" kern="1200">
+      <a:lvl6pPr marL="1714500" algn="l" defTabSz="685800" rtl="0" eaLnBrk="1" latinLnBrk="0" hangingPunct="1">
+        <a:defRPr sz="1350" kern="1200">
           <a:solidFill>
             <a:schemeClr val="tx1"/>
           </a:solidFill>
@@ -2921,8 +2919,8 @@
           <a:cs typeface="+mn-cs"/>
         </a:defRPr>
       </a:lvl6pPr>
-      <a:lvl7pPr marL="2468880" algn="l" defTabSz="822960" rtl="0" eaLnBrk="1" latinLnBrk="0" hangingPunct="1">
-        <a:defRPr sz="1620" kern="1200">
+      <a:lvl7pPr marL="2057400" algn="l" defTabSz="685800" rtl="0" eaLnBrk="1" latinLnBrk="0" hangingPunct="1">
+        <a:defRPr sz="1350" kern="1200">
           <a:solidFill>
             <a:schemeClr val="tx1"/>
           </a:solidFill>
@@ -2931,8 +2929,8 @@
           <a:cs typeface="+mn-cs"/>
         </a:defRPr>
       </a:lvl7pPr>
-      <a:lvl8pPr marL="2880360" algn="l" defTabSz="822960" rtl="0" eaLnBrk="1" latinLnBrk="0" hangingPunct="1">
-        <a:defRPr sz="1620" kern="1200">
+      <a:lvl8pPr marL="2400300" algn="l" defTabSz="685800" rtl="0" eaLnBrk="1" latinLnBrk="0" hangingPunct="1">
+        <a:defRPr sz="1350" kern="1200">
           <a:solidFill>
             <a:schemeClr val="tx1"/>
           </a:solidFill>
@@ -2941,8 +2939,8 @@
           <a:cs typeface="+mn-cs"/>
         </a:defRPr>
       </a:lvl8pPr>
-      <a:lvl9pPr marL="3291840" algn="l" defTabSz="822960" rtl="0" eaLnBrk="1" latinLnBrk="0" hangingPunct="1">
-        <a:defRPr sz="1620" kern="1200">
+      <a:lvl9pPr marL="2743200" algn="l" defTabSz="685800" rtl="0" eaLnBrk="1" latinLnBrk="0" hangingPunct="1">
+        <a:defRPr sz="1350" kern="1200">
           <a:solidFill>
             <a:schemeClr val="tx1"/>
           </a:solidFill>
@@ -2975,10 +2973,10 @@
       </p:grpSpPr>
       <p:pic>
         <p:nvPicPr>
-          <p:cNvPr id="17" name="Picture 16">
+          <p:cNvPr id="3" name="Picture 2">
             <a:extLst>
               <a:ext uri="{FF2B5EF4-FFF2-40B4-BE49-F238E27FC236}">
-                <a16:creationId xmlns:a16="http://schemas.microsoft.com/office/drawing/2014/main" id="{74441567-E72D-1340-8A87-B0D564A2EFEC}"/>
+                <a16:creationId xmlns:a16="http://schemas.microsoft.com/office/drawing/2014/main" id="{2B8D2A37-3DA4-0643-BAD6-F613150A9E0E}"/>
               </a:ext>
             </a:extLst>
           </p:cNvPr>
@@ -2989,507 +2987,195 @@
         </p:nvPicPr>
         <p:blipFill rotWithShape="1">
           <a:blip r:embed="rId2"/>
-          <a:srcRect l="7034" t="6666" r="6369" b="11987"/>
+          <a:srcRect b="3600"/>
           <a:stretch/>
         </p:blipFill>
         <p:spPr>
           <a:xfrm>
-            <a:off x="239215" y="230092"/>
-            <a:ext cx="10656059" cy="5338768"/>
+            <a:off x="189941" y="110432"/>
+            <a:ext cx="6556549" cy="6390729"/>
           </a:xfrm>
           <a:prstGeom prst="rect">
             <a:avLst/>
           </a:prstGeom>
         </p:spPr>
       </p:pic>
-      <p:grpSp>
-        <p:nvGrpSpPr>
-          <p:cNvPr id="16" name="Group 15">
+      <p:sp>
+        <p:nvSpPr>
+          <p:cNvPr id="6" name="Rectangle 5">
             <a:extLst>
               <a:ext uri="{FF2B5EF4-FFF2-40B4-BE49-F238E27FC236}">
-                <a16:creationId xmlns:a16="http://schemas.microsoft.com/office/drawing/2014/main" id="{85D81FF8-9474-A248-8B5C-9D0BE2A7C915}"/>
+                <a16:creationId xmlns:a16="http://schemas.microsoft.com/office/drawing/2014/main" id="{374DD333-6C9E-B34E-96BD-9901BB89918F}"/>
               </a:ext>
             </a:extLst>
           </p:cNvPr>
-          <p:cNvGrpSpPr/>
+          <p:cNvSpPr/>
           <p:nvPr/>
-        </p:nvGrpSpPr>
-        <p:grpSpPr>
+        </p:nvSpPr>
+        <p:spPr>
           <a:xfrm>
-            <a:off x="239217" y="606951"/>
-            <a:ext cx="10187015" cy="5351978"/>
-            <a:chOff x="772617" y="975251"/>
-            <a:chExt cx="10187015" cy="5351978"/>
+            <a:off x="1939142" y="85031"/>
+            <a:ext cx="696024" cy="338554"/>
           </a:xfrm>
-        </p:grpSpPr>
-        <p:sp>
-          <p:nvSpPr>
-            <p:cNvPr id="8" name="Rectangle 7">
-              <a:extLst>
-                <a:ext uri="{FF2B5EF4-FFF2-40B4-BE49-F238E27FC236}">
-                  <a16:creationId xmlns:a16="http://schemas.microsoft.com/office/drawing/2014/main" id="{00AB381A-3423-9E42-9910-3B0D840B958E}"/>
-                </a:ext>
-              </a:extLst>
-            </p:cNvPr>
-            <p:cNvSpPr/>
-            <p:nvPr/>
-          </p:nvSpPr>
-          <p:spPr>
-            <a:xfrm>
-              <a:off x="2193007" y="5937160"/>
-              <a:ext cx="696024" cy="338554"/>
-            </a:xfrm>
-            <a:prstGeom prst="rect">
-              <a:avLst/>
-            </a:prstGeom>
-            <a:solidFill>
-              <a:sysClr val="window" lastClr="FFFFFF"/>
-            </a:solidFill>
-          </p:spPr>
-          <p:txBody>
-            <a:bodyPr wrap="none">
-              <a:spAutoFit/>
-            </a:bodyPr>
-            <a:lstStyle/>
-            <a:p>
-              <a:pPr defTabSz="669341"/>
-              <a:r>
-                <a:rPr lang="en-US" sz="1600" kern="0" dirty="0">
-                  <a:solidFill>
-                    <a:srgbClr val="262626"/>
-                  </a:solidFill>
-                  <a:latin typeface="Arial" panose="020B0604020202020204" pitchFamily="34" charset="0"/>
-                  <a:cs typeface="Arial" panose="020B0604020202020204" pitchFamily="34" charset="0"/>
-                </a:rPr>
-                <a:t>Spike</a:t>
-              </a:r>
-            </a:p>
-          </p:txBody>
-        </p:sp>
-        <p:sp>
-          <p:nvSpPr>
-            <p:cNvPr id="9" name="Rectangle 8">
-              <a:extLst>
-                <a:ext uri="{FF2B5EF4-FFF2-40B4-BE49-F238E27FC236}">
-                  <a16:creationId xmlns:a16="http://schemas.microsoft.com/office/drawing/2014/main" id="{0F2DD89D-E927-D541-BB2C-758E7B75A57A}"/>
-                </a:ext>
-              </a:extLst>
-            </p:cNvPr>
-            <p:cNvSpPr/>
-            <p:nvPr/>
-          </p:nvSpPr>
-          <p:spPr>
-            <a:xfrm>
-              <a:off x="4847620" y="5937160"/>
-              <a:ext cx="434734" cy="338554"/>
-            </a:xfrm>
-            <a:prstGeom prst="rect">
-              <a:avLst/>
-            </a:prstGeom>
-            <a:solidFill>
-              <a:sysClr val="window" lastClr="FFFFFF"/>
-            </a:solidFill>
-          </p:spPr>
-          <p:txBody>
-            <a:bodyPr wrap="none">
-              <a:spAutoFit/>
-            </a:bodyPr>
-            <a:lstStyle/>
-            <a:p>
-              <a:pPr defTabSz="669341"/>
-              <a:r>
-                <a:rPr lang="en-US" sz="1600" kern="0" dirty="0">
-                  <a:solidFill>
-                    <a:srgbClr val="262626"/>
-                  </a:solidFill>
-                  <a:latin typeface="Arial" panose="020B0604020202020204" pitchFamily="34" charset="0"/>
-                  <a:cs typeface="Arial" panose="020B0604020202020204" pitchFamily="34" charset="0"/>
-                </a:rPr>
-                <a:t>S1</a:t>
-              </a:r>
-            </a:p>
-          </p:txBody>
-        </p:sp>
-        <p:sp>
-          <p:nvSpPr>
-            <p:cNvPr id="10" name="Rectangle 9">
-              <a:extLst>
-                <a:ext uri="{FF2B5EF4-FFF2-40B4-BE49-F238E27FC236}">
-                  <a16:creationId xmlns:a16="http://schemas.microsoft.com/office/drawing/2014/main" id="{5746F502-678A-AB46-BB88-44C0528FE353}"/>
-                </a:ext>
-              </a:extLst>
-            </p:cNvPr>
-            <p:cNvSpPr/>
-            <p:nvPr/>
-          </p:nvSpPr>
-          <p:spPr>
-            <a:xfrm>
-              <a:off x="7240943" y="5937160"/>
-              <a:ext cx="434734" cy="338554"/>
-            </a:xfrm>
-            <a:prstGeom prst="rect">
-              <a:avLst/>
-            </a:prstGeom>
-            <a:solidFill>
-              <a:sysClr val="window" lastClr="FFFFFF"/>
-            </a:solidFill>
-          </p:spPr>
-          <p:txBody>
-            <a:bodyPr wrap="none">
-              <a:spAutoFit/>
-            </a:bodyPr>
-            <a:lstStyle/>
-            <a:p>
-              <a:pPr defTabSz="669341"/>
-              <a:r>
-                <a:rPr lang="en-US" sz="1600" kern="0" dirty="0">
-                  <a:solidFill>
-                    <a:srgbClr val="262626"/>
-                  </a:solidFill>
-                  <a:latin typeface="Arial" panose="020B0604020202020204" pitchFamily="34" charset="0"/>
-                  <a:cs typeface="Arial" panose="020B0604020202020204" pitchFamily="34" charset="0"/>
-                </a:rPr>
-                <a:t>S2</a:t>
-              </a:r>
-            </a:p>
-          </p:txBody>
-        </p:sp>
-        <p:sp>
-          <p:nvSpPr>
-            <p:cNvPr id="11" name="Rectangle 10">
-              <a:extLst>
-                <a:ext uri="{FF2B5EF4-FFF2-40B4-BE49-F238E27FC236}">
-                  <a16:creationId xmlns:a16="http://schemas.microsoft.com/office/drawing/2014/main" id="{C61ED9C4-0BA6-C74F-A061-62BC20BE5B94}"/>
-                </a:ext>
-              </a:extLst>
-            </p:cNvPr>
-            <p:cNvSpPr/>
-            <p:nvPr/>
-          </p:nvSpPr>
-          <p:spPr>
-            <a:xfrm>
-              <a:off x="9634266" y="5937160"/>
-              <a:ext cx="707245" cy="338554"/>
-            </a:xfrm>
-            <a:prstGeom prst="rect">
-              <a:avLst/>
-            </a:prstGeom>
-            <a:solidFill>
-              <a:sysClr val="window" lastClr="FFFFFF"/>
-            </a:solidFill>
-          </p:spPr>
-          <p:txBody>
-            <a:bodyPr wrap="none">
-              <a:spAutoFit/>
-            </a:bodyPr>
-            <a:lstStyle/>
-            <a:p>
-              <a:pPr defTabSz="669341"/>
-              <a:r>
-                <a:rPr lang="en-US" sz="1600" kern="0" dirty="0">
-                  <a:solidFill>
-                    <a:srgbClr val="262626"/>
-                  </a:solidFill>
-                  <a:latin typeface="Arial" panose="020B0604020202020204" pitchFamily="34" charset="0"/>
-                  <a:cs typeface="Arial" panose="020B0604020202020204" pitchFamily="34" charset="0"/>
-                </a:rPr>
-                <a:t>RdRp</a:t>
-              </a:r>
-            </a:p>
-          </p:txBody>
-        </p:sp>
-        <p:sp>
-          <p:nvSpPr>
-            <p:cNvPr id="12" name="Rectangle 11">
-              <a:extLst>
-                <a:ext uri="{FF2B5EF4-FFF2-40B4-BE49-F238E27FC236}">
-                  <a16:creationId xmlns:a16="http://schemas.microsoft.com/office/drawing/2014/main" id="{8EF97920-65F4-5B48-90E0-D0B0963BF340}"/>
-                </a:ext>
-              </a:extLst>
-            </p:cNvPr>
-            <p:cNvSpPr/>
-            <p:nvPr/>
-          </p:nvSpPr>
-          <p:spPr>
-            <a:xfrm>
-              <a:off x="6007937" y="5988675"/>
-              <a:ext cx="588623" cy="338554"/>
-            </a:xfrm>
-            <a:prstGeom prst="rect">
-              <a:avLst/>
-            </a:prstGeom>
-            <a:solidFill>
-              <a:sysClr val="window" lastClr="FFFFFF"/>
-            </a:solidFill>
-          </p:spPr>
-          <p:txBody>
-            <a:bodyPr wrap="none">
-              <a:spAutoFit/>
-            </a:bodyPr>
-            <a:lstStyle/>
-            <a:p>
-              <a:pPr defTabSz="669341"/>
-              <a:r>
-                <a:rPr lang="en-US" sz="1600" kern="0" dirty="0">
-                  <a:solidFill>
-                    <a:srgbClr val="262626"/>
-                  </a:solidFill>
-                  <a:latin typeface="Arial" panose="020B0604020202020204" pitchFamily="34" charset="0"/>
-                  <a:cs typeface="Arial" panose="020B0604020202020204" pitchFamily="34" charset="0"/>
-                </a:rPr>
-                <a:t>       </a:t>
-              </a:r>
-            </a:p>
-          </p:txBody>
-        </p:sp>
-        <p:sp>
-          <p:nvSpPr>
-            <p:cNvPr id="13" name="Rectangle 12">
-              <a:extLst>
-                <a:ext uri="{FF2B5EF4-FFF2-40B4-BE49-F238E27FC236}">
-                  <a16:creationId xmlns:a16="http://schemas.microsoft.com/office/drawing/2014/main" id="{4F7985C0-D680-834B-94B2-867374BC060B}"/>
-                </a:ext>
-              </a:extLst>
-            </p:cNvPr>
-            <p:cNvSpPr/>
-            <p:nvPr/>
-          </p:nvSpPr>
-          <p:spPr>
-            <a:xfrm rot="16200000">
-              <a:off x="-1063623" y="3181081"/>
-              <a:ext cx="4011034" cy="338554"/>
-            </a:xfrm>
-            <a:prstGeom prst="rect">
-              <a:avLst/>
-            </a:prstGeom>
-            <a:solidFill>
-              <a:sysClr val="window" lastClr="FFFFFF"/>
-            </a:solidFill>
-          </p:spPr>
-          <p:txBody>
-            <a:bodyPr wrap="none">
-              <a:spAutoFit/>
-            </a:bodyPr>
-            <a:lstStyle/>
-            <a:p>
-              <a:pPr defTabSz="669341"/>
-              <a:r>
-                <a:rPr lang="en-US" sz="1600" kern="0" dirty="0">
-                  <a:solidFill>
-                    <a:srgbClr val="262626"/>
-                  </a:solidFill>
-                  <a:latin typeface="Arial" panose="020B0604020202020204" pitchFamily="34" charset="0"/>
-                  <a:cs typeface="Arial" panose="020B0604020202020204" pitchFamily="34" charset="0"/>
-                </a:rPr>
-                <a:t>Adaptive Subs per Codon per Year (x10</a:t>
-              </a:r>
-              <a:r>
-                <a:rPr lang="en-US" sz="1600" kern="0" baseline="30000" dirty="0">
-                  <a:solidFill>
-                    <a:srgbClr val="262626"/>
-                  </a:solidFill>
-                  <a:latin typeface="Arial" panose="020B0604020202020204" pitchFamily="34" charset="0"/>
-                  <a:cs typeface="Arial" panose="020B0604020202020204" pitchFamily="34" charset="0"/>
-                </a:rPr>
-                <a:t>-3</a:t>
-              </a:r>
-              <a:r>
-                <a:rPr lang="en-US" sz="1600" kern="0" dirty="0">
-                  <a:solidFill>
-                    <a:srgbClr val="262626"/>
-                  </a:solidFill>
-                  <a:latin typeface="Arial" panose="020B0604020202020204" pitchFamily="34" charset="0"/>
-                  <a:cs typeface="Arial" panose="020B0604020202020204" pitchFamily="34" charset="0"/>
-                </a:rPr>
-                <a:t>)</a:t>
-              </a:r>
-            </a:p>
-          </p:txBody>
-        </p:sp>
-        <p:sp>
-          <p:nvSpPr>
-            <p:cNvPr id="15" name="Rectangle 14">
-              <a:extLst>
-                <a:ext uri="{FF2B5EF4-FFF2-40B4-BE49-F238E27FC236}">
-                  <a16:creationId xmlns:a16="http://schemas.microsoft.com/office/drawing/2014/main" id="{9EA3AEFE-3362-FD4F-9A06-629885B590FE}"/>
-                </a:ext>
-              </a:extLst>
-            </p:cNvPr>
-            <p:cNvSpPr/>
-            <p:nvPr/>
-          </p:nvSpPr>
-          <p:spPr>
-            <a:xfrm>
-              <a:off x="10418511" y="1048559"/>
-              <a:ext cx="451904" cy="1175657"/>
-            </a:xfrm>
-            <a:prstGeom prst="rect">
-              <a:avLst/>
-            </a:prstGeom>
-            <a:solidFill>
-              <a:schemeClr val="bg1"/>
-            </a:solidFill>
-            <a:ln>
-              <a:solidFill>
-                <a:schemeClr val="bg1"/>
-              </a:solidFill>
-            </a:ln>
-          </p:spPr>
-          <p:style>
-            <a:lnRef idx="2">
-              <a:schemeClr val="accent1">
-                <a:shade val="50000"/>
-              </a:schemeClr>
-            </a:lnRef>
-            <a:fillRef idx="1">
-              <a:schemeClr val="accent1"/>
-            </a:fillRef>
-            <a:effectRef idx="0">
-              <a:schemeClr val="accent1"/>
-            </a:effectRef>
-            <a:fontRef idx="minor">
-              <a:schemeClr val="lt1"/>
-            </a:fontRef>
-          </p:style>
-          <p:txBody>
-            <a:bodyPr rot="0" spcFirstLastPara="0" vertOverflow="overflow" horzOverflow="overflow" vert="horz" wrap="square" lIns="91440" tIns="45720" rIns="91440" bIns="45720" numCol="1" spcCol="0" rtlCol="0" fromWordArt="0" anchor="ctr" anchorCtr="0" forceAA="0" compatLnSpc="1">
-              <a:prstTxWarp prst="textNoShape">
-                <a:avLst/>
-              </a:prstTxWarp>
-              <a:noAutofit/>
-            </a:bodyPr>
-            <a:lstStyle/>
-            <a:p>
-              <a:pPr algn="ctr"/>
-              <a:endParaRPr lang="en-US"/>
-            </a:p>
-          </p:txBody>
-        </p:sp>
-        <p:sp>
-          <p:nvSpPr>
-            <p:cNvPr id="14" name="Rectangle 13">
-              <a:extLst>
-                <a:ext uri="{FF2B5EF4-FFF2-40B4-BE49-F238E27FC236}">
-                  <a16:creationId xmlns:a16="http://schemas.microsoft.com/office/drawing/2014/main" id="{194AE04E-E4CC-834E-9BC0-5B63F3DE4EF3}"/>
-                </a:ext>
-              </a:extLst>
-            </p:cNvPr>
-            <p:cNvSpPr/>
-            <p:nvPr/>
-          </p:nvSpPr>
-          <p:spPr>
-            <a:xfrm>
-              <a:off x="10286050" y="975251"/>
-              <a:ext cx="673582" cy="1331134"/>
-            </a:xfrm>
-            <a:prstGeom prst="rect">
-              <a:avLst/>
-            </a:prstGeom>
-            <a:noFill/>
-          </p:spPr>
-          <p:txBody>
-            <a:bodyPr wrap="none">
-              <a:spAutoFit/>
-            </a:bodyPr>
-            <a:lstStyle/>
-            <a:p>
-              <a:pPr defTabSz="669341"/>
-              <a:r>
-                <a:rPr lang="en-US" sz="1150" kern="0" dirty="0">
-                  <a:solidFill>
-                    <a:srgbClr val="262626"/>
-                  </a:solidFill>
-                  <a:latin typeface="Arial" panose="020B0604020202020204" pitchFamily="34" charset="0"/>
-                  <a:cs typeface="Arial" panose="020B0604020202020204" pitchFamily="34" charset="0"/>
-                </a:rPr>
-                <a:t>OC43A</a:t>
-              </a:r>
-            </a:p>
-            <a:p>
-              <a:pPr defTabSz="669341"/>
-              <a:r>
-                <a:rPr lang="en-US" sz="1150" kern="0" dirty="0">
-                  <a:solidFill>
-                    <a:srgbClr val="262626"/>
-                  </a:solidFill>
-                  <a:latin typeface="Arial" panose="020B0604020202020204" pitchFamily="34" charset="0"/>
-                  <a:cs typeface="Arial" panose="020B0604020202020204" pitchFamily="34" charset="0"/>
-                </a:rPr>
-                <a:t>OC43B</a:t>
-              </a:r>
-            </a:p>
-            <a:p>
-              <a:pPr defTabSz="669341"/>
-              <a:r>
-                <a:rPr lang="en-US" sz="1150" kern="0" dirty="0">
-                  <a:solidFill>
-                    <a:srgbClr val="262626"/>
-                  </a:solidFill>
-                  <a:latin typeface="Arial" panose="020B0604020202020204" pitchFamily="34" charset="0"/>
-                  <a:cs typeface="Arial" panose="020B0604020202020204" pitchFamily="34" charset="0"/>
-                </a:rPr>
-                <a:t>229E</a:t>
-              </a:r>
-            </a:p>
-            <a:p>
-              <a:pPr defTabSz="669341"/>
-              <a:r>
-                <a:rPr lang="en-US" sz="1150" kern="0" dirty="0">
-                  <a:solidFill>
-                    <a:srgbClr val="262626"/>
-                  </a:solidFill>
-                  <a:latin typeface="Arial" panose="020B0604020202020204" pitchFamily="34" charset="0"/>
-                  <a:cs typeface="Arial" panose="020B0604020202020204" pitchFamily="34" charset="0"/>
-                </a:rPr>
-                <a:t>NL63A</a:t>
-              </a:r>
-            </a:p>
-            <a:p>
-              <a:pPr defTabSz="669341"/>
-              <a:r>
-                <a:rPr lang="en-US" sz="1150" kern="0" dirty="0">
-                  <a:solidFill>
-                    <a:srgbClr val="262626"/>
-                  </a:solidFill>
-                  <a:latin typeface="Arial" panose="020B0604020202020204" pitchFamily="34" charset="0"/>
-                  <a:cs typeface="Arial" panose="020B0604020202020204" pitchFamily="34" charset="0"/>
-                </a:rPr>
-                <a:t>NL63B</a:t>
-              </a:r>
-            </a:p>
-            <a:p>
-              <a:pPr defTabSz="669341"/>
-              <a:r>
-                <a:rPr lang="en-US" sz="1150" kern="0" dirty="0">
-                  <a:solidFill>
-                    <a:srgbClr val="262626"/>
-                  </a:solidFill>
-                  <a:latin typeface="Arial" panose="020B0604020202020204" pitchFamily="34" charset="0"/>
-                  <a:cs typeface="Arial" panose="020B0604020202020204" pitchFamily="34" charset="0"/>
-                </a:rPr>
-                <a:t>HKU1A</a:t>
-              </a:r>
-            </a:p>
-            <a:p>
-              <a:pPr defTabSz="669341"/>
-              <a:r>
-                <a:rPr lang="en-US" sz="1150" kern="0" dirty="0">
-                  <a:solidFill>
-                    <a:srgbClr val="262626"/>
-                  </a:solidFill>
-                  <a:latin typeface="Arial" panose="020B0604020202020204" pitchFamily="34" charset="0"/>
-                  <a:cs typeface="Arial" panose="020B0604020202020204" pitchFamily="34" charset="0"/>
-                </a:rPr>
-                <a:t>HKU1B</a:t>
-              </a:r>
-            </a:p>
-          </p:txBody>
-        </p:sp>
-      </p:grpSp>
+          <a:prstGeom prst="rect">
+            <a:avLst/>
+          </a:prstGeom>
+          <a:solidFill>
+            <a:schemeClr val="bg1"/>
+          </a:solidFill>
+        </p:spPr>
+        <p:txBody>
+          <a:bodyPr wrap="none">
+            <a:spAutoFit/>
+          </a:bodyPr>
+          <a:lstStyle/>
+          <a:p>
+            <a:r>
+              <a:rPr lang="en-US" sz="1600" dirty="0">
+                <a:solidFill>
+                  <a:srgbClr val="262626"/>
+                </a:solidFill>
+                <a:latin typeface="Arial" panose="020B0604020202020204" pitchFamily="34" charset="0"/>
+                <a:cs typeface="Arial" panose="020B0604020202020204" pitchFamily="34" charset="0"/>
+              </a:rPr>
+              <a:t>Spike</a:t>
+            </a:r>
+          </a:p>
+        </p:txBody>
+      </p:sp>
+      <p:sp>
+        <p:nvSpPr>
+          <p:cNvPr id="7" name="Rectangle 6">
+            <a:extLst>
+              <a:ext uri="{FF2B5EF4-FFF2-40B4-BE49-F238E27FC236}">
+                <a16:creationId xmlns:a16="http://schemas.microsoft.com/office/drawing/2014/main" id="{AC8BDF27-0A36-C94B-9B1A-C501862E5B24}"/>
+              </a:ext>
+            </a:extLst>
+          </p:cNvPr>
+          <p:cNvSpPr/>
+          <p:nvPr/>
+        </p:nvSpPr>
+        <p:spPr>
+          <a:xfrm>
+            <a:off x="5261291" y="85031"/>
+            <a:ext cx="434734" cy="338554"/>
+          </a:xfrm>
+          <a:prstGeom prst="rect">
+            <a:avLst/>
+          </a:prstGeom>
+          <a:solidFill>
+            <a:schemeClr val="bg1"/>
+          </a:solidFill>
+        </p:spPr>
+        <p:txBody>
+          <a:bodyPr wrap="none">
+            <a:spAutoFit/>
+          </a:bodyPr>
+          <a:lstStyle/>
+          <a:p>
+            <a:r>
+              <a:rPr lang="en-US" sz="1600" dirty="0">
+                <a:solidFill>
+                  <a:srgbClr val="262626"/>
+                </a:solidFill>
+                <a:latin typeface="Arial" panose="020B0604020202020204" pitchFamily="34" charset="0"/>
+                <a:cs typeface="Arial" panose="020B0604020202020204" pitchFamily="34" charset="0"/>
+              </a:rPr>
+              <a:t>S1</a:t>
+            </a:r>
+          </a:p>
+        </p:txBody>
+      </p:sp>
+      <p:sp>
+        <p:nvSpPr>
+          <p:cNvPr id="8" name="Rectangle 7">
+            <a:extLst>
+              <a:ext uri="{FF2B5EF4-FFF2-40B4-BE49-F238E27FC236}">
+                <a16:creationId xmlns:a16="http://schemas.microsoft.com/office/drawing/2014/main" id="{60C14543-BAFD-7347-8F5E-5B1A1D064549}"/>
+              </a:ext>
+            </a:extLst>
+          </p:cNvPr>
+          <p:cNvSpPr/>
+          <p:nvPr/>
+        </p:nvSpPr>
+        <p:spPr>
+          <a:xfrm>
+            <a:off x="5125036" y="3425132"/>
+            <a:ext cx="707245" cy="338554"/>
+          </a:xfrm>
+          <a:prstGeom prst="rect">
+            <a:avLst/>
+          </a:prstGeom>
+          <a:solidFill>
+            <a:schemeClr val="bg1"/>
+          </a:solidFill>
+        </p:spPr>
+        <p:txBody>
+          <a:bodyPr wrap="none">
+            <a:spAutoFit/>
+          </a:bodyPr>
+          <a:lstStyle/>
+          <a:p>
+            <a:r>
+              <a:rPr lang="en-US" sz="1600" dirty="0">
+                <a:solidFill>
+                  <a:srgbClr val="262626"/>
+                </a:solidFill>
+                <a:latin typeface="Arial" panose="020B0604020202020204" pitchFamily="34" charset="0"/>
+                <a:cs typeface="Arial" panose="020B0604020202020204" pitchFamily="34" charset="0"/>
+              </a:rPr>
+              <a:t>RdRp</a:t>
+            </a:r>
+          </a:p>
+        </p:txBody>
+      </p:sp>
+      <p:sp>
+        <p:nvSpPr>
+          <p:cNvPr id="9" name="TextBox 8">
+            <a:extLst>
+              <a:ext uri="{FF2B5EF4-FFF2-40B4-BE49-F238E27FC236}">
+                <a16:creationId xmlns:a16="http://schemas.microsoft.com/office/drawing/2014/main" id="{69EDA11E-F109-4140-9C22-611E190756FC}"/>
+              </a:ext>
+            </a:extLst>
+          </p:cNvPr>
+          <p:cNvSpPr txBox="1"/>
+          <p:nvPr/>
+        </p:nvSpPr>
+        <p:spPr>
+          <a:xfrm>
+            <a:off x="2086617" y="3425132"/>
+            <a:ext cx="434734" cy="338554"/>
+          </a:xfrm>
+          <a:prstGeom prst="rect">
+            <a:avLst/>
+          </a:prstGeom>
+          <a:solidFill>
+            <a:schemeClr val="bg1"/>
+          </a:solidFill>
+        </p:spPr>
+        <p:txBody>
+          <a:bodyPr wrap="none" rtlCol="0">
+            <a:spAutoFit/>
+          </a:bodyPr>
+          <a:lstStyle/>
+          <a:p>
+            <a:r>
+              <a:rPr lang="en-US" sz="1600" dirty="0">
+                <a:solidFill>
+                  <a:srgbClr val="262626"/>
+                </a:solidFill>
+                <a:latin typeface="Arial" panose="020B0604020202020204" pitchFamily="34" charset="0"/>
+                <a:cs typeface="Arial" panose="020B0604020202020204" pitchFamily="34" charset="0"/>
+              </a:rPr>
+              <a:t>S2</a:t>
+            </a:r>
+          </a:p>
+        </p:txBody>
+      </p:sp>
     </p:spTree>
     <p:extLst>
       <p:ext uri="{BB962C8B-B14F-4D97-AF65-F5344CB8AC3E}">
-        <p14:creationId xmlns:p14="http://schemas.microsoft.com/office/powerpoint/2010/main" val="4041789111"/>
+        <p14:creationId xmlns:p14="http://schemas.microsoft.com/office/powerpoint/2010/main" val="3171305823"/>
       </p:ext>
     </p:extLst>
   </p:cSld>
